--- a/program/158_DX12_2_device/158_DX12Device_2.pptx
+++ b/program/158_DX12_2_device/158_DX12Device_2.pptx
@@ -6,6 +6,8 @@
   </p:sldMasterIdLst>
   <p:sldIdLst>
     <p:sldId id="257" r:id="rId2"/>
+    <p:sldId id="258" r:id="rId3"/>
+    <p:sldId id="259" r:id="rId4"/>
   </p:sldIdLst>
   <p:sldSz cx="21674138" cy="12192000"/>
   <p:notesSz cx="6858000" cy="9144000"/>
@@ -243,7 +245,7 @@
           <a:p>
             <a:fld id="{81EDC1A2-339E-4B72-B5AC-375D83E631AC}" type="datetimeFigureOut">
               <a:rPr kumimoji="1" lang="ja-JP" altLang="en-US" smtClean="0"/>
-              <a:t>2025/2/28</a:t>
+              <a:t>2025/3/2</a:t>
             </a:fld>
             <a:endParaRPr kumimoji="1" lang="ja-JP" altLang="en-US"/>
           </a:p>
@@ -445,7 +447,7 @@
           <a:p>
             <a:fld id="{81EDC1A2-339E-4B72-B5AC-375D83E631AC}" type="datetimeFigureOut">
               <a:rPr kumimoji="1" lang="ja-JP" altLang="en-US" smtClean="0"/>
-              <a:t>2025/2/28</a:t>
+              <a:t>2025/3/2</a:t>
             </a:fld>
             <a:endParaRPr kumimoji="1" lang="ja-JP" altLang="en-US"/>
           </a:p>
@@ -657,7 +659,7 @@
           <a:p>
             <a:fld id="{81EDC1A2-339E-4B72-B5AC-375D83E631AC}" type="datetimeFigureOut">
               <a:rPr kumimoji="1" lang="ja-JP" altLang="en-US" smtClean="0"/>
-              <a:t>2025/2/28</a:t>
+              <a:t>2025/3/2</a:t>
             </a:fld>
             <a:endParaRPr kumimoji="1" lang="ja-JP" altLang="en-US"/>
           </a:p>
@@ -859,7 +861,7 @@
           <a:p>
             <a:fld id="{81EDC1A2-339E-4B72-B5AC-375D83E631AC}" type="datetimeFigureOut">
               <a:rPr kumimoji="1" lang="ja-JP" altLang="en-US" smtClean="0"/>
-              <a:t>2025/2/28</a:t>
+              <a:t>2025/3/2</a:t>
             </a:fld>
             <a:endParaRPr kumimoji="1" lang="ja-JP" altLang="en-US"/>
           </a:p>
@@ -1105,7 +1107,7 @@
           <a:p>
             <a:fld id="{81EDC1A2-339E-4B72-B5AC-375D83E631AC}" type="datetimeFigureOut">
               <a:rPr kumimoji="1" lang="ja-JP" altLang="en-US" smtClean="0"/>
-              <a:t>2025/2/28</a:t>
+              <a:t>2025/3/2</a:t>
             </a:fld>
             <a:endParaRPr kumimoji="1" lang="ja-JP" altLang="en-US"/>
           </a:p>
@@ -1401,7 +1403,7 @@
           <a:p>
             <a:fld id="{81EDC1A2-339E-4B72-B5AC-375D83E631AC}" type="datetimeFigureOut">
               <a:rPr kumimoji="1" lang="ja-JP" altLang="en-US" smtClean="0"/>
-              <a:t>2025/2/28</a:t>
+              <a:t>2025/3/2</a:t>
             </a:fld>
             <a:endParaRPr kumimoji="1" lang="ja-JP" altLang="en-US"/>
           </a:p>
@@ -1832,7 +1834,7 @@
           <a:p>
             <a:fld id="{81EDC1A2-339E-4B72-B5AC-375D83E631AC}" type="datetimeFigureOut">
               <a:rPr kumimoji="1" lang="ja-JP" altLang="en-US" smtClean="0"/>
-              <a:t>2025/2/28</a:t>
+              <a:t>2025/3/2</a:t>
             </a:fld>
             <a:endParaRPr kumimoji="1" lang="ja-JP" altLang="en-US"/>
           </a:p>
@@ -1950,7 +1952,7 @@
           <a:p>
             <a:fld id="{81EDC1A2-339E-4B72-B5AC-375D83E631AC}" type="datetimeFigureOut">
               <a:rPr kumimoji="1" lang="ja-JP" altLang="en-US" smtClean="0"/>
-              <a:t>2025/2/28</a:t>
+              <a:t>2025/3/2</a:t>
             </a:fld>
             <a:endParaRPr kumimoji="1" lang="ja-JP" altLang="en-US"/>
           </a:p>
@@ -2045,7 +2047,7 @@
           <a:p>
             <a:fld id="{81EDC1A2-339E-4B72-B5AC-375D83E631AC}" type="datetimeFigureOut">
               <a:rPr kumimoji="1" lang="ja-JP" altLang="en-US" smtClean="0"/>
-              <a:t>2025/2/28</a:t>
+              <a:t>2025/3/2</a:t>
             </a:fld>
             <a:endParaRPr kumimoji="1" lang="ja-JP" altLang="en-US"/>
           </a:p>
@@ -2354,7 +2356,7 @@
           <a:p>
             <a:fld id="{81EDC1A2-339E-4B72-B5AC-375D83E631AC}" type="datetimeFigureOut">
               <a:rPr kumimoji="1" lang="ja-JP" altLang="en-US" smtClean="0"/>
-              <a:t>2025/2/28</a:t>
+              <a:t>2025/3/2</a:t>
             </a:fld>
             <a:endParaRPr kumimoji="1" lang="ja-JP" altLang="en-US"/>
           </a:p>
@@ -2611,7 +2613,7 @@
           <a:p>
             <a:fld id="{81EDC1A2-339E-4B72-B5AC-375D83E631AC}" type="datetimeFigureOut">
               <a:rPr kumimoji="1" lang="ja-JP" altLang="en-US" smtClean="0"/>
-              <a:t>2025/2/28</a:t>
+              <a:t>2025/3/2</a:t>
             </a:fld>
             <a:endParaRPr kumimoji="1" lang="ja-JP" altLang="en-US"/>
           </a:p>
@@ -2856,7 +2858,7 @@
           <a:p>
             <a:fld id="{81EDC1A2-339E-4B72-B5AC-375D83E631AC}" type="datetimeFigureOut">
               <a:rPr kumimoji="1" lang="ja-JP" altLang="en-US" smtClean="0"/>
-              <a:t>2025/2/28</a:t>
+              <a:t>2025/3/2</a:t>
             </a:fld>
             <a:endParaRPr kumimoji="1" lang="ja-JP" altLang="en-US"/>
           </a:p>
@@ -3263,6 +3265,50 @@
       </p:grpSpPr>
       <p:sp>
         <p:nvSpPr>
+          <p:cNvPr id="25" name="正方形/長方形 24">
+            <a:extLst>
+              <a:ext uri="{FF2B5EF4-FFF2-40B4-BE49-F238E27FC236}">
+                <a16:creationId xmlns:a16="http://schemas.microsoft.com/office/drawing/2014/main" id="{D76602FF-F1FB-1D9B-9D72-037024CEA63F}"/>
+              </a:ext>
+            </a:extLst>
+          </p:cNvPr>
+          <p:cNvSpPr/>
+          <p:nvPr/>
+        </p:nvSpPr>
+        <p:spPr>
+          <a:xfrm>
+            <a:off x="5379633" y="6449399"/>
+            <a:ext cx="3676632" cy="3259452"/>
+          </a:xfrm>
+          <a:prstGeom prst="rect">
+            <a:avLst/>
+          </a:prstGeom>
+        </p:spPr>
+        <p:style>
+          <a:lnRef idx="1">
+            <a:schemeClr val="accent4"/>
+          </a:lnRef>
+          <a:fillRef idx="2">
+            <a:schemeClr val="accent4"/>
+          </a:fillRef>
+          <a:effectRef idx="1">
+            <a:schemeClr val="accent4"/>
+          </a:effectRef>
+          <a:fontRef idx="minor">
+            <a:schemeClr val="dk1"/>
+          </a:fontRef>
+        </p:style>
+        <p:txBody>
+          <a:bodyPr rtlCol="0" anchor="ctr"/>
+          <a:lstStyle/>
+          <a:p>
+            <a:pPr algn="ctr"/>
+            <a:endParaRPr kumimoji="1" lang="ja-JP" altLang="en-US"/>
+          </a:p>
+        </p:txBody>
+      </p:sp>
+      <p:sp>
+        <p:nvSpPr>
           <p:cNvPr id="4" name="四角形: 角を丸くする 3">
             <a:extLst>
               <a:ext uri="{FF2B5EF4-FFF2-40B4-BE49-F238E27FC236}">
@@ -5797,10 +5843,2966 @@
           </a:p>
         </p:txBody>
       </p:sp>
+      <p:sp>
+        <p:nvSpPr>
+          <p:cNvPr id="11" name="矢印: 右 10">
+            <a:extLst>
+              <a:ext uri="{FF2B5EF4-FFF2-40B4-BE49-F238E27FC236}">
+                <a16:creationId xmlns:a16="http://schemas.microsoft.com/office/drawing/2014/main" id="{2DF93E7B-2C73-CEED-46DF-4D0D192D02AB}"/>
+              </a:ext>
+            </a:extLst>
+          </p:cNvPr>
+          <p:cNvSpPr/>
+          <p:nvPr/>
+        </p:nvSpPr>
+        <p:spPr>
+          <a:xfrm>
+            <a:off x="9004433" y="6429665"/>
+            <a:ext cx="6945203" cy="519678"/>
+          </a:xfrm>
+          <a:prstGeom prst="rightArrow">
+            <a:avLst/>
+          </a:prstGeom>
+        </p:spPr>
+        <p:style>
+          <a:lnRef idx="2">
+            <a:schemeClr val="accent2">
+              <a:shade val="50000"/>
+            </a:schemeClr>
+          </a:lnRef>
+          <a:fillRef idx="1">
+            <a:schemeClr val="accent2"/>
+          </a:fillRef>
+          <a:effectRef idx="0">
+            <a:schemeClr val="accent2"/>
+          </a:effectRef>
+          <a:fontRef idx="minor">
+            <a:schemeClr val="lt1"/>
+          </a:fontRef>
+        </p:style>
+        <p:txBody>
+          <a:bodyPr rtlCol="0" anchor="ctr"/>
+          <a:lstStyle/>
+          <a:p>
+            <a:pPr algn="ctr"/>
+            <a:endParaRPr kumimoji="1" lang="ja-JP" altLang="en-US"/>
+          </a:p>
+        </p:txBody>
+      </p:sp>
+      <p:sp>
+        <p:nvSpPr>
+          <p:cNvPr id="3" name="テキスト ボックス 2">
+            <a:extLst>
+              <a:ext uri="{FF2B5EF4-FFF2-40B4-BE49-F238E27FC236}">
+                <a16:creationId xmlns:a16="http://schemas.microsoft.com/office/drawing/2014/main" id="{DB1E9715-75F4-1441-086C-1EA9705A755A}"/>
+              </a:ext>
+            </a:extLst>
+          </p:cNvPr>
+          <p:cNvSpPr txBox="1"/>
+          <p:nvPr/>
+        </p:nvSpPr>
+        <p:spPr>
+          <a:xfrm>
+            <a:off x="9661701" y="6506453"/>
+            <a:ext cx="5196379" cy="369332"/>
+          </a:xfrm>
+          <a:prstGeom prst="rect">
+            <a:avLst/>
+          </a:prstGeom>
+          <a:noFill/>
+        </p:spPr>
+        <p:txBody>
+          <a:bodyPr wrap="square">
+            <a:spAutoFit/>
+          </a:bodyPr>
+          <a:lstStyle/>
+          <a:p>
+            <a:r>
+              <a:rPr lang="pt-BR" altLang="ja-JP" sz="1800" b="1" dirty="0">
+                <a:latin typeface="ＭＳ ゴシック" panose="020B0609070205080204" pitchFamily="49" charset="-128"/>
+                <a:ea typeface="ＭＳ ゴシック" panose="020B0609070205080204" pitchFamily="49" charset="-128"/>
+              </a:rPr>
+              <a:t>ID3D12Device::CreateGraphicsPipelineState</a:t>
+            </a:r>
+            <a:endParaRPr lang="ja-JP" altLang="en-US" b="1" dirty="0"/>
+          </a:p>
+        </p:txBody>
+      </p:sp>
+      <p:sp>
+        <p:nvSpPr>
+          <p:cNvPr id="24" name="テキスト ボックス 23">
+            <a:extLst>
+              <a:ext uri="{FF2B5EF4-FFF2-40B4-BE49-F238E27FC236}">
+                <a16:creationId xmlns:a16="http://schemas.microsoft.com/office/drawing/2014/main" id="{C9FE8947-5EE9-699F-1392-E08E1562AA79}"/>
+              </a:ext>
+            </a:extLst>
+          </p:cNvPr>
+          <p:cNvSpPr txBox="1"/>
+          <p:nvPr/>
+        </p:nvSpPr>
+        <p:spPr>
+          <a:xfrm>
+            <a:off x="5409756" y="6453537"/>
+            <a:ext cx="3676632" cy="343161"/>
+          </a:xfrm>
+          <a:prstGeom prst="rect">
+            <a:avLst/>
+          </a:prstGeom>
+          <a:noFill/>
+        </p:spPr>
+        <p:txBody>
+          <a:bodyPr wrap="square">
+            <a:spAutoFit/>
+          </a:bodyPr>
+          <a:lstStyle/>
+          <a:p>
+            <a:r>
+              <a:rPr lang="pt-BR" altLang="ja-JP" sz="1600" dirty="0">
+                <a:latin typeface="ＭＳ ゴシック" panose="020B0609070205080204" pitchFamily="49" charset="-128"/>
+                <a:ea typeface="ＭＳ ゴシック" panose="020B0609070205080204" pitchFamily="49" charset="-128"/>
+              </a:rPr>
+              <a:t>D3D12_GRAPHICS_PIPELINE_STATE_DESC</a:t>
+            </a:r>
+            <a:endParaRPr lang="ja-JP" altLang="en-US" sz="1600" dirty="0"/>
+          </a:p>
+        </p:txBody>
+      </p:sp>
+      <p:sp>
+        <p:nvSpPr>
+          <p:cNvPr id="26" name="テキスト ボックス 25">
+            <a:extLst>
+              <a:ext uri="{FF2B5EF4-FFF2-40B4-BE49-F238E27FC236}">
+                <a16:creationId xmlns:a16="http://schemas.microsoft.com/office/drawing/2014/main" id="{704545FD-2872-A7FC-4AC8-F0F296DF9A52}"/>
+              </a:ext>
+            </a:extLst>
+          </p:cNvPr>
+          <p:cNvSpPr txBox="1"/>
+          <p:nvPr/>
+        </p:nvSpPr>
+        <p:spPr>
+          <a:xfrm>
+            <a:off x="5498670" y="6846528"/>
+            <a:ext cx="2723823" cy="2862322"/>
+          </a:xfrm>
+          <a:prstGeom prst="rect">
+            <a:avLst/>
+          </a:prstGeom>
+          <a:noFill/>
+        </p:spPr>
+        <p:txBody>
+          <a:bodyPr wrap="none" rtlCol="0">
+            <a:spAutoFit/>
+          </a:bodyPr>
+          <a:lstStyle/>
+          <a:p>
+            <a:r>
+              <a:rPr kumimoji="1" lang="ja-JP" altLang="en-US" dirty="0"/>
+              <a:t>頂点シェーダ</a:t>
+            </a:r>
+            <a:endParaRPr kumimoji="1" lang="en-US" altLang="ja-JP" dirty="0"/>
+          </a:p>
+          <a:p>
+            <a:r>
+              <a:rPr kumimoji="1" lang="ja-JP" altLang="en-US" dirty="0"/>
+              <a:t>ピクセルシェーダ</a:t>
+            </a:r>
+            <a:endParaRPr kumimoji="1" lang="en-US" altLang="ja-JP" dirty="0"/>
+          </a:p>
+          <a:p>
+            <a:r>
+              <a:rPr kumimoji="1" lang="ja-JP" altLang="en-US" dirty="0"/>
+              <a:t>頂点レイアウト</a:t>
+            </a:r>
+            <a:endParaRPr kumimoji="1" lang="en-US" altLang="ja-JP" dirty="0"/>
+          </a:p>
+          <a:p>
+            <a:r>
+              <a:rPr kumimoji="1" lang="ja-JP" altLang="en-US" dirty="0"/>
+              <a:t>プリミティブ設定</a:t>
+            </a:r>
+            <a:endParaRPr kumimoji="1" lang="en-US" altLang="ja-JP" dirty="0"/>
+          </a:p>
+          <a:p>
+            <a:r>
+              <a:rPr kumimoji="1" lang="ja-JP" altLang="en-US" dirty="0"/>
+              <a:t>ルート署名</a:t>
+            </a:r>
+            <a:endParaRPr kumimoji="1" lang="en-US" altLang="ja-JP" dirty="0"/>
+          </a:p>
+          <a:p>
+            <a:r>
+              <a:rPr kumimoji="1" lang="ja-JP" altLang="en-US" dirty="0"/>
+              <a:t>ラスタライズ設定</a:t>
+            </a:r>
+            <a:endParaRPr kumimoji="1" lang="en-US" altLang="ja-JP" dirty="0"/>
+          </a:p>
+          <a:p>
+            <a:r>
+              <a:rPr kumimoji="1" lang="ja-JP" altLang="en-US" dirty="0"/>
+              <a:t>ブレンディング設定</a:t>
+            </a:r>
+            <a:endParaRPr kumimoji="1" lang="en-US" altLang="ja-JP" dirty="0"/>
+          </a:p>
+          <a:p>
+            <a:r>
+              <a:rPr kumimoji="1" lang="ja-JP" altLang="en-US" dirty="0"/>
+              <a:t>デプスバッファ設定</a:t>
+            </a:r>
+            <a:endParaRPr kumimoji="1" lang="en-US" altLang="ja-JP" dirty="0"/>
+          </a:p>
+          <a:p>
+            <a:r>
+              <a:rPr kumimoji="1" lang="ja-JP" altLang="en-US" dirty="0"/>
+              <a:t>レンダーターゲット設定</a:t>
+            </a:r>
+            <a:endParaRPr kumimoji="1" lang="en-US" altLang="ja-JP" dirty="0"/>
+          </a:p>
+          <a:p>
+            <a:r>
+              <a:rPr kumimoji="1" lang="en-US" altLang="ja-JP" dirty="0"/>
+              <a:t>…</a:t>
+            </a:r>
+            <a:endParaRPr kumimoji="1" lang="ja-JP" altLang="en-US" dirty="0"/>
+          </a:p>
+        </p:txBody>
+      </p:sp>
     </p:spTree>
     <p:extLst>
       <p:ext uri="{BB962C8B-B14F-4D97-AF65-F5344CB8AC3E}">
         <p14:creationId xmlns:p14="http://schemas.microsoft.com/office/powerpoint/2010/main" val="203033616"/>
+      </p:ext>
+    </p:extLst>
+  </p:cSld>
+  <p:clrMapOvr>
+    <a:masterClrMapping/>
+  </p:clrMapOvr>
+</p:sld>
+</file>
+
+<file path=ppt/slides/slide2.xml><?xml version="1.0" encoding="utf-8"?>
+<p:sld xmlns:a="http://schemas.openxmlformats.org/drawingml/2006/main" xmlns:r="http://schemas.openxmlformats.org/officeDocument/2006/relationships" xmlns:p="http://schemas.openxmlformats.org/presentationml/2006/main">
+  <p:cSld>
+    <p:spTree>
+      <p:nvGrpSpPr>
+        <p:cNvPr id="1" name=""/>
+        <p:cNvGrpSpPr/>
+        <p:nvPr/>
+      </p:nvGrpSpPr>
+      <p:grpSpPr>
+        <a:xfrm>
+          <a:off x="0" y="0"/>
+          <a:ext cx="0" cy="0"/>
+          <a:chOff x="0" y="0"/>
+          <a:chExt cx="0" cy="0"/>
+        </a:xfrm>
+      </p:grpSpPr>
+      <p:sp>
+        <p:nvSpPr>
+          <p:cNvPr id="25" name="正方形/長方形 24">
+            <a:extLst>
+              <a:ext uri="{FF2B5EF4-FFF2-40B4-BE49-F238E27FC236}">
+                <a16:creationId xmlns:a16="http://schemas.microsoft.com/office/drawing/2014/main" id="{A0F9962C-7BD0-6D87-62B6-AB1974625138}"/>
+              </a:ext>
+            </a:extLst>
+          </p:cNvPr>
+          <p:cNvSpPr/>
+          <p:nvPr/>
+        </p:nvSpPr>
+        <p:spPr>
+          <a:xfrm>
+            <a:off x="2867892" y="8419096"/>
+            <a:ext cx="5056909" cy="1067931"/>
+          </a:xfrm>
+          <a:prstGeom prst="rect">
+            <a:avLst/>
+          </a:prstGeom>
+          <a:solidFill>
+            <a:srgbClr val="FFFFCC"/>
+          </a:solidFill>
+          <a:ln>
+            <a:solidFill>
+              <a:srgbClr val="FFC000"/>
+            </a:solidFill>
+          </a:ln>
+        </p:spPr>
+        <p:style>
+          <a:lnRef idx="2">
+            <a:schemeClr val="accent1">
+              <a:shade val="15000"/>
+            </a:schemeClr>
+          </a:lnRef>
+          <a:fillRef idx="1">
+            <a:schemeClr val="accent1"/>
+          </a:fillRef>
+          <a:effectRef idx="0">
+            <a:schemeClr val="accent1"/>
+          </a:effectRef>
+          <a:fontRef idx="minor">
+            <a:schemeClr val="lt1"/>
+          </a:fontRef>
+        </p:style>
+        <p:txBody>
+          <a:bodyPr rtlCol="0" anchor="ctr"/>
+          <a:lstStyle/>
+          <a:p>
+            <a:pPr algn="ctr"/>
+            <a:endParaRPr kumimoji="1" lang="ja-JP" altLang="en-US"/>
+          </a:p>
+        </p:txBody>
+      </p:sp>
+      <p:graphicFrame>
+        <p:nvGraphicFramePr>
+          <p:cNvPr id="2" name="表 1">
+            <a:extLst>
+              <a:ext uri="{FF2B5EF4-FFF2-40B4-BE49-F238E27FC236}">
+                <a16:creationId xmlns:a16="http://schemas.microsoft.com/office/drawing/2014/main" id="{4FD56106-136F-F95B-B187-2B15A8F89CF9}"/>
+              </a:ext>
+            </a:extLst>
+          </p:cNvPr>
+          <p:cNvGraphicFramePr>
+            <a:graphicFrameLocks noGrp="1"/>
+          </p:cNvGraphicFramePr>
+          <p:nvPr>
+            <p:extLst>
+              <p:ext uri="{D42A27DB-BD31-4B8C-83A1-F6EECF244321}">
+                <p14:modId xmlns:p14="http://schemas.microsoft.com/office/powerpoint/2010/main" val="3060143456"/>
+              </p:ext>
+            </p:extLst>
+          </p:nvPr>
+        </p:nvGraphicFramePr>
+        <p:xfrm>
+          <a:off x="10016838" y="6800483"/>
+          <a:ext cx="11360727" cy="741744"/>
+        </p:xfrm>
+        <a:graphic>
+          <a:graphicData uri="http://schemas.openxmlformats.org/drawingml/2006/table">
+            <a:tbl>
+              <a:tblPr firstRow="1" bandRow="1">
+                <a:tableStyleId>{5C22544A-7EE6-4342-B048-85BDC9FD1C3A}</a:tableStyleId>
+              </a:tblPr>
+              <a:tblGrid>
+                <a:gridCol w="1596134">
+                  <a:extLst>
+                    <a:ext uri="{9D8B030D-6E8A-4147-A177-3AD203B41FA5}">
+                      <a16:colId xmlns:a16="http://schemas.microsoft.com/office/drawing/2014/main" val="3341462470"/>
+                    </a:ext>
+                  </a:extLst>
+                </a:gridCol>
+                <a:gridCol w="4846227">
+                  <a:extLst>
+                    <a:ext uri="{9D8B030D-6E8A-4147-A177-3AD203B41FA5}">
+                      <a16:colId xmlns:a16="http://schemas.microsoft.com/office/drawing/2014/main" val="948042112"/>
+                    </a:ext>
+                  </a:extLst>
+                </a:gridCol>
+                <a:gridCol w="997528">
+                  <a:extLst>
+                    <a:ext uri="{9D8B030D-6E8A-4147-A177-3AD203B41FA5}">
+                      <a16:colId xmlns:a16="http://schemas.microsoft.com/office/drawing/2014/main" val="500966471"/>
+                    </a:ext>
+                  </a:extLst>
+                </a:gridCol>
+                <a:gridCol w="928254">
+                  <a:extLst>
+                    <a:ext uri="{9D8B030D-6E8A-4147-A177-3AD203B41FA5}">
+                      <a16:colId xmlns:a16="http://schemas.microsoft.com/office/drawing/2014/main" val="4254790576"/>
+                    </a:ext>
+                  </a:extLst>
+                </a:gridCol>
+                <a:gridCol w="872837">
+                  <a:extLst>
+                    <a:ext uri="{9D8B030D-6E8A-4147-A177-3AD203B41FA5}">
+                      <a16:colId xmlns:a16="http://schemas.microsoft.com/office/drawing/2014/main" val="500959226"/>
+                    </a:ext>
+                  </a:extLst>
+                </a:gridCol>
+                <a:gridCol w="969818">
+                  <a:extLst>
+                    <a:ext uri="{9D8B030D-6E8A-4147-A177-3AD203B41FA5}">
+                      <a16:colId xmlns:a16="http://schemas.microsoft.com/office/drawing/2014/main" val="1845997283"/>
+                    </a:ext>
+                  </a:extLst>
+                </a:gridCol>
+                <a:gridCol w="1149929">
+                  <a:extLst>
+                    <a:ext uri="{9D8B030D-6E8A-4147-A177-3AD203B41FA5}">
+                      <a16:colId xmlns:a16="http://schemas.microsoft.com/office/drawing/2014/main" val="3119994698"/>
+                    </a:ext>
+                  </a:extLst>
+                </a:gridCol>
+              </a:tblGrid>
+              <a:tr h="370840">
+                <a:tc>
+                  <a:txBody>
+                    <a:bodyPr/>
+                    <a:lstStyle/>
+                    <a:p>
+                      <a:pPr algn="ctr"/>
+                      <a:r>
+                        <a:rPr kumimoji="1" lang="en-US" altLang="ja-JP" dirty="0"/>
+                        <a:t>x</a:t>
+                      </a:r>
+                      <a:endParaRPr kumimoji="1" lang="ja-JP" altLang="en-US" dirty="0"/>
+                    </a:p>
+                  </a:txBody>
+                  <a:tcPr/>
+                </a:tc>
+                <a:tc>
+                  <a:txBody>
+                    <a:bodyPr/>
+                    <a:lstStyle/>
+                    <a:p>
+                      <a:pPr algn="ctr"/>
+                      <a:r>
+                        <a:rPr kumimoji="1" lang="en-US" altLang="ja-JP" dirty="0"/>
+                        <a:t>y</a:t>
+                      </a:r>
+                      <a:endParaRPr kumimoji="1" lang="ja-JP" altLang="en-US" dirty="0"/>
+                    </a:p>
+                  </a:txBody>
+                  <a:tcPr/>
+                </a:tc>
+                <a:tc>
+                  <a:txBody>
+                    <a:bodyPr/>
+                    <a:lstStyle/>
+                    <a:p>
+                      <a:pPr algn="ctr"/>
+                      <a:r>
+                        <a:rPr kumimoji="1" lang="en-US" altLang="ja-JP" dirty="0"/>
+                        <a:t>z</a:t>
+                      </a:r>
+                      <a:endParaRPr kumimoji="1" lang="ja-JP" altLang="en-US" dirty="0"/>
+                    </a:p>
+                  </a:txBody>
+                  <a:tcPr/>
+                </a:tc>
+                <a:tc>
+                  <a:txBody>
+                    <a:bodyPr/>
+                    <a:lstStyle/>
+                    <a:p>
+                      <a:pPr algn="ctr"/>
+                      <a:r>
+                        <a:rPr kumimoji="1" lang="ja-JP" altLang="en-US" dirty="0"/>
+                        <a:t>赤</a:t>
+                      </a:r>
+                    </a:p>
+                  </a:txBody>
+                  <a:tcPr/>
+                </a:tc>
+                <a:tc>
+                  <a:txBody>
+                    <a:bodyPr/>
+                    <a:lstStyle/>
+                    <a:p>
+                      <a:pPr algn="ctr"/>
+                      <a:r>
+                        <a:rPr kumimoji="1" lang="ja-JP" altLang="en-US" dirty="0"/>
+                        <a:t>緑</a:t>
+                      </a:r>
+                    </a:p>
+                  </a:txBody>
+                  <a:tcPr/>
+                </a:tc>
+                <a:tc>
+                  <a:txBody>
+                    <a:bodyPr/>
+                    <a:lstStyle/>
+                    <a:p>
+                      <a:pPr algn="ctr"/>
+                      <a:r>
+                        <a:rPr kumimoji="1" lang="ja-JP" altLang="en-US" dirty="0"/>
+                        <a:t>青</a:t>
+                      </a:r>
+                    </a:p>
+                  </a:txBody>
+                  <a:tcPr/>
+                </a:tc>
+                <a:tc>
+                  <a:txBody>
+                    <a:bodyPr/>
+                    <a:lstStyle/>
+                    <a:p>
+                      <a:pPr algn="ctr"/>
+                      <a:r>
+                        <a:rPr kumimoji="1" lang="en-US" altLang="ja-JP" dirty="0"/>
+                        <a:t>α</a:t>
+                      </a:r>
+                      <a:endParaRPr kumimoji="1" lang="ja-JP" altLang="en-US" dirty="0"/>
+                    </a:p>
+                  </a:txBody>
+                  <a:tcPr/>
+                </a:tc>
+                <a:extLst>
+                  <a:ext uri="{0D108BD9-81ED-4DB2-BD59-A6C34878D82A}">
+                    <a16:rowId xmlns:a16="http://schemas.microsoft.com/office/drawing/2014/main" val="1689363434"/>
+                  </a:ext>
+                </a:extLst>
+              </a:tr>
+            </a:tbl>
+          </a:graphicData>
+        </a:graphic>
+      </p:graphicFrame>
+      <p:graphicFrame>
+        <p:nvGraphicFramePr>
+          <p:cNvPr id="3" name="表 2">
+            <a:extLst>
+              <a:ext uri="{FF2B5EF4-FFF2-40B4-BE49-F238E27FC236}">
+                <a16:creationId xmlns:a16="http://schemas.microsoft.com/office/drawing/2014/main" id="{E3C2F0EF-CB52-72E7-5E23-F55345B6295C}"/>
+              </a:ext>
+            </a:extLst>
+          </p:cNvPr>
+          <p:cNvGraphicFramePr>
+            <a:graphicFrameLocks noGrp="1"/>
+          </p:cNvGraphicFramePr>
+          <p:nvPr>
+            <p:extLst>
+              <p:ext uri="{D42A27DB-BD31-4B8C-83A1-F6EECF244321}">
+                <p14:modId xmlns:p14="http://schemas.microsoft.com/office/powerpoint/2010/main" val="3784925124"/>
+              </p:ext>
+            </p:extLst>
+          </p:nvPr>
+        </p:nvGraphicFramePr>
+        <p:xfrm>
+          <a:off x="10016838" y="7992942"/>
+          <a:ext cx="11360726" cy="1920240"/>
+        </p:xfrm>
+        <a:graphic>
+          <a:graphicData uri="http://schemas.openxmlformats.org/drawingml/2006/table">
+            <a:tbl>
+              <a:tblPr bandRow="1">
+                <a:tableStyleId>{5C22544A-7EE6-4342-B048-85BDC9FD1C3A}</a:tableStyleId>
+              </a:tblPr>
+              <a:tblGrid>
+                <a:gridCol w="1596134">
+                  <a:extLst>
+                    <a:ext uri="{9D8B030D-6E8A-4147-A177-3AD203B41FA5}">
+                      <a16:colId xmlns:a16="http://schemas.microsoft.com/office/drawing/2014/main" val="3341462470"/>
+                    </a:ext>
+                  </a:extLst>
+                </a:gridCol>
+                <a:gridCol w="4818518">
+                  <a:extLst>
+                    <a:ext uri="{9D8B030D-6E8A-4147-A177-3AD203B41FA5}">
+                      <a16:colId xmlns:a16="http://schemas.microsoft.com/office/drawing/2014/main" val="948042112"/>
+                    </a:ext>
+                  </a:extLst>
+                </a:gridCol>
+                <a:gridCol w="983673">
+                  <a:extLst>
+                    <a:ext uri="{9D8B030D-6E8A-4147-A177-3AD203B41FA5}">
+                      <a16:colId xmlns:a16="http://schemas.microsoft.com/office/drawing/2014/main" val="500966471"/>
+                    </a:ext>
+                  </a:extLst>
+                </a:gridCol>
+                <a:gridCol w="942109">
+                  <a:extLst>
+                    <a:ext uri="{9D8B030D-6E8A-4147-A177-3AD203B41FA5}">
+                      <a16:colId xmlns:a16="http://schemas.microsoft.com/office/drawing/2014/main" val="4254790576"/>
+                    </a:ext>
+                  </a:extLst>
+                </a:gridCol>
+                <a:gridCol w="928255">
+                  <a:extLst>
+                    <a:ext uri="{9D8B030D-6E8A-4147-A177-3AD203B41FA5}">
+                      <a16:colId xmlns:a16="http://schemas.microsoft.com/office/drawing/2014/main" val="500959226"/>
+                    </a:ext>
+                  </a:extLst>
+                </a:gridCol>
+                <a:gridCol w="983672">
+                  <a:extLst>
+                    <a:ext uri="{9D8B030D-6E8A-4147-A177-3AD203B41FA5}">
+                      <a16:colId xmlns:a16="http://schemas.microsoft.com/office/drawing/2014/main" val="1845997283"/>
+                    </a:ext>
+                  </a:extLst>
+                </a:gridCol>
+                <a:gridCol w="1108365">
+                  <a:extLst>
+                    <a:ext uri="{9D8B030D-6E8A-4147-A177-3AD203B41FA5}">
+                      <a16:colId xmlns:a16="http://schemas.microsoft.com/office/drawing/2014/main" val="3119994698"/>
+                    </a:ext>
+                  </a:extLst>
+                </a:gridCol>
+              </a:tblGrid>
+              <a:tr h="370840">
+                <a:tc>
+                  <a:txBody>
+                    <a:bodyPr/>
+                    <a:lstStyle/>
+                    <a:p>
+                      <a:pPr marL="0" marR="0" lvl="0" indent="0" algn="l" defTabSz="2167402" rtl="0" eaLnBrk="1" fontAlgn="auto" latinLnBrk="0" hangingPunct="1">
+                        <a:lnSpc>
+                          <a:spcPct val="100000"/>
+                        </a:lnSpc>
+                        <a:spcBef>
+                          <a:spcPts val="0"/>
+                        </a:spcBef>
+                        <a:spcAft>
+                          <a:spcPts val="0"/>
+                        </a:spcAft>
+                        <a:buClrTx/>
+                        <a:buSzTx/>
+                        <a:buFontTx/>
+                        <a:buNone/>
+                        <a:tabLst/>
+                        <a:defRPr/>
+                      </a:pPr>
+                      <a:r>
+                        <a:rPr kumimoji="1" lang="pt-BR" altLang="ja-JP" sz="3600" b="0" kern="1200" dirty="0">
+                          <a:solidFill>
+                            <a:schemeClr val="dk1"/>
+                          </a:solidFill>
+                          <a:effectLst/>
+                          <a:latin typeface="+mn-lt"/>
+                          <a:ea typeface="+mn-ea"/>
+                          <a:cs typeface="+mn-cs"/>
+                        </a:rPr>
+                        <a:t>+0.0f</a:t>
+                      </a:r>
+                    </a:p>
+                  </a:txBody>
+                  <a:tcPr/>
+                </a:tc>
+                <a:tc>
+                  <a:txBody>
+                    <a:bodyPr/>
+                    <a:lstStyle/>
+                    <a:p>
+                      <a:pPr marL="0" marR="0" lvl="0" indent="0" algn="l" defTabSz="2167402" rtl="0" eaLnBrk="1" fontAlgn="auto" latinLnBrk="0" hangingPunct="1">
+                        <a:lnSpc>
+                          <a:spcPct val="100000"/>
+                        </a:lnSpc>
+                        <a:spcBef>
+                          <a:spcPts val="0"/>
+                        </a:spcBef>
+                        <a:spcAft>
+                          <a:spcPts val="0"/>
+                        </a:spcAft>
+                        <a:buClrTx/>
+                        <a:buSzTx/>
+                        <a:buFontTx/>
+                        <a:buNone/>
+                        <a:tabLst/>
+                        <a:defRPr/>
+                      </a:pPr>
+                      <a:r>
+                        <a:rPr kumimoji="1" lang="pt-BR" altLang="ja-JP" sz="3600" b="0" kern="1200" dirty="0">
+                          <a:solidFill>
+                            <a:schemeClr val="dk1"/>
+                          </a:solidFill>
+                          <a:effectLst/>
+                          <a:latin typeface="+mn-lt"/>
+                          <a:ea typeface="+mn-ea"/>
+                          <a:cs typeface="+mn-cs"/>
+                        </a:rPr>
+                        <a:t>+0.25f</a:t>
+                      </a:r>
+                      <a:r>
+                        <a:rPr kumimoji="1" lang="ja-JP" altLang="en-US" sz="3600" b="0" kern="1200" dirty="0">
+                          <a:solidFill>
+                            <a:schemeClr val="dk1"/>
+                          </a:solidFill>
+                          <a:effectLst/>
+                          <a:latin typeface="+mn-lt"/>
+                          <a:ea typeface="+mn-ea"/>
+                          <a:cs typeface="+mn-cs"/>
+                        </a:rPr>
+                        <a:t> * アスペクト比</a:t>
+                      </a:r>
+                      <a:r>
+                        <a:rPr kumimoji="1" lang="en-US" altLang="ja-JP" sz="3600" b="0" kern="1200" dirty="0">
+                          <a:solidFill>
+                            <a:schemeClr val="dk1"/>
+                          </a:solidFill>
+                          <a:effectLst/>
+                          <a:latin typeface="+mn-lt"/>
+                          <a:ea typeface="+mn-ea"/>
+                          <a:cs typeface="+mn-cs"/>
+                        </a:rPr>
+                        <a:t>_</a:t>
+                      </a:r>
+                      <a:endParaRPr kumimoji="1" lang="ja-JP" altLang="en-US" sz="3600" b="0" kern="1200" dirty="0">
+                        <a:solidFill>
+                          <a:schemeClr val="dk1"/>
+                        </a:solidFill>
+                        <a:effectLst/>
+                        <a:latin typeface="+mn-lt"/>
+                        <a:ea typeface="+mn-ea"/>
+                        <a:cs typeface="+mn-cs"/>
+                      </a:endParaRPr>
+                    </a:p>
+                  </a:txBody>
+                  <a:tcPr/>
+                </a:tc>
+                <a:tc>
+                  <a:txBody>
+                    <a:bodyPr/>
+                    <a:lstStyle/>
+                    <a:p>
+                      <a:pPr marL="0" marR="0" lvl="0" indent="0" algn="l" defTabSz="2167402" rtl="0" eaLnBrk="1" fontAlgn="auto" latinLnBrk="0" hangingPunct="1">
+                        <a:lnSpc>
+                          <a:spcPct val="100000"/>
+                        </a:lnSpc>
+                        <a:spcBef>
+                          <a:spcPts val="0"/>
+                        </a:spcBef>
+                        <a:spcAft>
+                          <a:spcPts val="0"/>
+                        </a:spcAft>
+                        <a:buClrTx/>
+                        <a:buSzTx/>
+                        <a:buFontTx/>
+                        <a:buNone/>
+                        <a:tabLst/>
+                        <a:defRPr/>
+                      </a:pPr>
+                      <a:r>
+                        <a:rPr kumimoji="1" lang="pt-BR" altLang="ja-JP" sz="3600" b="0" kern="1200" dirty="0">
+                          <a:solidFill>
+                            <a:schemeClr val="dk1"/>
+                          </a:solidFill>
+                          <a:effectLst/>
+                          <a:latin typeface="+mn-lt"/>
+                          <a:ea typeface="+mn-ea"/>
+                          <a:cs typeface="+mn-cs"/>
+                        </a:rPr>
+                        <a:t>0.0f</a:t>
+                      </a:r>
+                    </a:p>
+                  </a:txBody>
+                  <a:tcPr/>
+                </a:tc>
+                <a:tc>
+                  <a:txBody>
+                    <a:bodyPr/>
+                    <a:lstStyle/>
+                    <a:p>
+                      <a:r>
+                        <a:rPr kumimoji="1" lang="en-US" altLang="ja-JP" sz="3600" dirty="0"/>
+                        <a:t>0xff</a:t>
+                      </a:r>
+                      <a:endParaRPr kumimoji="1" lang="ja-JP" altLang="en-US" sz="3600" dirty="0"/>
+                    </a:p>
+                  </a:txBody>
+                  <a:tcPr/>
+                </a:tc>
+                <a:tc>
+                  <a:txBody>
+                    <a:bodyPr/>
+                    <a:lstStyle/>
+                    <a:p>
+                      <a:r>
+                        <a:rPr kumimoji="1" lang="en-US" altLang="ja-JP" sz="3600" dirty="0"/>
+                        <a:t>0</a:t>
+                      </a:r>
+                      <a:endParaRPr kumimoji="1" lang="ja-JP" altLang="en-US" sz="3600" dirty="0"/>
+                    </a:p>
+                  </a:txBody>
+                  <a:tcPr/>
+                </a:tc>
+                <a:tc>
+                  <a:txBody>
+                    <a:bodyPr/>
+                    <a:lstStyle/>
+                    <a:p>
+                      <a:r>
+                        <a:rPr kumimoji="1" lang="en-US" altLang="ja-JP" sz="3600" dirty="0"/>
+                        <a:t>0</a:t>
+                      </a:r>
+                      <a:endParaRPr kumimoji="1" lang="ja-JP" altLang="en-US" sz="3600" dirty="0"/>
+                    </a:p>
+                  </a:txBody>
+                  <a:tcPr/>
+                </a:tc>
+                <a:tc>
+                  <a:txBody>
+                    <a:bodyPr/>
+                    <a:lstStyle/>
+                    <a:p>
+                      <a:r>
+                        <a:rPr kumimoji="1" lang="en-US" altLang="ja-JP" sz="3600" dirty="0"/>
+                        <a:t>0xff</a:t>
+                      </a:r>
+                      <a:endParaRPr kumimoji="1" lang="ja-JP" altLang="en-US" sz="3600" dirty="0"/>
+                    </a:p>
+                  </a:txBody>
+                  <a:tcPr/>
+                </a:tc>
+                <a:extLst>
+                  <a:ext uri="{0D108BD9-81ED-4DB2-BD59-A6C34878D82A}">
+                    <a16:rowId xmlns:a16="http://schemas.microsoft.com/office/drawing/2014/main" val="3825520038"/>
+                  </a:ext>
+                </a:extLst>
+              </a:tr>
+              <a:tr h="370840">
+                <a:tc>
+                  <a:txBody>
+                    <a:bodyPr/>
+                    <a:lstStyle/>
+                    <a:p>
+                      <a:pPr marL="0" marR="0" lvl="0" indent="0" algn="l" defTabSz="2167402" rtl="0" eaLnBrk="1" fontAlgn="auto" latinLnBrk="0" hangingPunct="1">
+                        <a:lnSpc>
+                          <a:spcPct val="100000"/>
+                        </a:lnSpc>
+                        <a:spcBef>
+                          <a:spcPts val="0"/>
+                        </a:spcBef>
+                        <a:spcAft>
+                          <a:spcPts val="0"/>
+                        </a:spcAft>
+                        <a:buClrTx/>
+                        <a:buSzTx/>
+                        <a:buFontTx/>
+                        <a:buNone/>
+                        <a:tabLst/>
+                        <a:defRPr/>
+                      </a:pPr>
+                      <a:r>
+                        <a:rPr kumimoji="1" lang="pt-BR" altLang="ja-JP" sz="3600" b="0" kern="1200" dirty="0">
+                          <a:solidFill>
+                            <a:schemeClr val="dk1"/>
+                          </a:solidFill>
+                          <a:effectLst/>
+                          <a:latin typeface="+mn-lt"/>
+                          <a:ea typeface="+mn-ea"/>
+                          <a:cs typeface="+mn-cs"/>
+                        </a:rPr>
+                        <a:t>+0.25f</a:t>
+                      </a:r>
+                    </a:p>
+                  </a:txBody>
+                  <a:tcPr/>
+                </a:tc>
+                <a:tc>
+                  <a:txBody>
+                    <a:bodyPr/>
+                    <a:lstStyle/>
+                    <a:p>
+                      <a:pPr marL="0" marR="0" lvl="0" indent="0" algn="l" defTabSz="2167402" rtl="0" eaLnBrk="1" fontAlgn="auto" latinLnBrk="0" hangingPunct="1">
+                        <a:lnSpc>
+                          <a:spcPct val="100000"/>
+                        </a:lnSpc>
+                        <a:spcBef>
+                          <a:spcPts val="0"/>
+                        </a:spcBef>
+                        <a:spcAft>
+                          <a:spcPts val="0"/>
+                        </a:spcAft>
+                        <a:buClrTx/>
+                        <a:buSzTx/>
+                        <a:buFontTx/>
+                        <a:buNone/>
+                        <a:tabLst/>
+                        <a:defRPr/>
+                      </a:pPr>
+                      <a:r>
+                        <a:rPr kumimoji="1" lang="pt-BR" altLang="ja-JP" sz="3600" b="0" kern="1200" dirty="0">
+                          <a:solidFill>
+                            <a:schemeClr val="dk1"/>
+                          </a:solidFill>
+                          <a:effectLst/>
+                          <a:latin typeface="+mn-lt"/>
+                          <a:ea typeface="+mn-ea"/>
+                          <a:cs typeface="+mn-cs"/>
+                        </a:rPr>
+                        <a:t>-0.25f</a:t>
+                      </a:r>
+                      <a:r>
+                        <a:rPr kumimoji="1" lang="ja-JP" altLang="en-US" sz="3600" b="0" kern="1200" dirty="0">
+                          <a:solidFill>
+                            <a:schemeClr val="dk1"/>
+                          </a:solidFill>
+                          <a:effectLst/>
+                          <a:latin typeface="+mn-lt"/>
+                          <a:ea typeface="+mn-ea"/>
+                          <a:cs typeface="+mn-cs"/>
+                        </a:rPr>
+                        <a:t> * アスペクト比</a:t>
+                      </a:r>
+                      <a:r>
+                        <a:rPr kumimoji="1" lang="en-US" altLang="ja-JP" sz="3600" b="0" kern="1200" dirty="0">
+                          <a:solidFill>
+                            <a:schemeClr val="dk1"/>
+                          </a:solidFill>
+                          <a:effectLst/>
+                          <a:latin typeface="+mn-lt"/>
+                          <a:ea typeface="+mn-ea"/>
+                          <a:cs typeface="+mn-cs"/>
+                        </a:rPr>
+                        <a:t>_</a:t>
+                      </a:r>
+                      <a:endParaRPr kumimoji="1" lang="ja-JP" altLang="en-US" sz="3600" b="0" kern="1200" dirty="0">
+                        <a:solidFill>
+                          <a:schemeClr val="dk1"/>
+                        </a:solidFill>
+                        <a:effectLst/>
+                        <a:latin typeface="+mn-lt"/>
+                        <a:ea typeface="+mn-ea"/>
+                        <a:cs typeface="+mn-cs"/>
+                      </a:endParaRPr>
+                    </a:p>
+                  </a:txBody>
+                  <a:tcPr/>
+                </a:tc>
+                <a:tc>
+                  <a:txBody>
+                    <a:bodyPr/>
+                    <a:lstStyle/>
+                    <a:p>
+                      <a:pPr marL="0" marR="0" lvl="0" indent="0" algn="l" defTabSz="2167402" rtl="0" eaLnBrk="1" fontAlgn="auto" latinLnBrk="0" hangingPunct="1">
+                        <a:lnSpc>
+                          <a:spcPct val="100000"/>
+                        </a:lnSpc>
+                        <a:spcBef>
+                          <a:spcPts val="0"/>
+                        </a:spcBef>
+                        <a:spcAft>
+                          <a:spcPts val="0"/>
+                        </a:spcAft>
+                        <a:buClrTx/>
+                        <a:buSzTx/>
+                        <a:buFontTx/>
+                        <a:buNone/>
+                        <a:tabLst/>
+                        <a:defRPr/>
+                      </a:pPr>
+                      <a:r>
+                        <a:rPr kumimoji="1" lang="pt-BR" altLang="ja-JP" sz="3600" b="0" kern="1200" dirty="0">
+                          <a:solidFill>
+                            <a:schemeClr val="dk1"/>
+                          </a:solidFill>
+                          <a:effectLst/>
+                          <a:latin typeface="+mn-lt"/>
+                          <a:ea typeface="+mn-ea"/>
+                          <a:cs typeface="+mn-cs"/>
+                        </a:rPr>
+                        <a:t>0.0f</a:t>
+                      </a:r>
+                    </a:p>
+                  </a:txBody>
+                  <a:tcPr/>
+                </a:tc>
+                <a:tc>
+                  <a:txBody>
+                    <a:bodyPr/>
+                    <a:lstStyle/>
+                    <a:p>
+                      <a:r>
+                        <a:rPr kumimoji="1" lang="en-US" altLang="ja-JP" sz="3600" dirty="0"/>
+                        <a:t>0</a:t>
+                      </a:r>
+                      <a:endParaRPr kumimoji="1" lang="ja-JP" altLang="en-US" sz="3600" dirty="0"/>
+                    </a:p>
+                  </a:txBody>
+                  <a:tcPr/>
+                </a:tc>
+                <a:tc>
+                  <a:txBody>
+                    <a:bodyPr/>
+                    <a:lstStyle/>
+                    <a:p>
+                      <a:r>
+                        <a:rPr kumimoji="1" lang="en-US" altLang="ja-JP" sz="3600" dirty="0"/>
+                        <a:t>0xff</a:t>
+                      </a:r>
+                      <a:endParaRPr kumimoji="1" lang="ja-JP" altLang="en-US" sz="3600" dirty="0"/>
+                    </a:p>
+                  </a:txBody>
+                  <a:tcPr/>
+                </a:tc>
+                <a:tc>
+                  <a:txBody>
+                    <a:bodyPr/>
+                    <a:lstStyle/>
+                    <a:p>
+                      <a:r>
+                        <a:rPr kumimoji="1" lang="en-US" altLang="ja-JP" sz="3600" dirty="0"/>
+                        <a:t>0</a:t>
+                      </a:r>
+                      <a:endParaRPr kumimoji="1" lang="ja-JP" altLang="en-US" sz="3600" dirty="0"/>
+                    </a:p>
+                  </a:txBody>
+                  <a:tcPr/>
+                </a:tc>
+                <a:tc>
+                  <a:txBody>
+                    <a:bodyPr/>
+                    <a:lstStyle/>
+                    <a:p>
+                      <a:r>
+                        <a:rPr kumimoji="1" lang="en-US" altLang="ja-JP" sz="3600" dirty="0"/>
+                        <a:t>0xff</a:t>
+                      </a:r>
+                      <a:endParaRPr kumimoji="1" lang="ja-JP" altLang="en-US" sz="3600" dirty="0"/>
+                    </a:p>
+                  </a:txBody>
+                  <a:tcPr/>
+                </a:tc>
+                <a:extLst>
+                  <a:ext uri="{0D108BD9-81ED-4DB2-BD59-A6C34878D82A}">
+                    <a16:rowId xmlns:a16="http://schemas.microsoft.com/office/drawing/2014/main" val="4126356897"/>
+                  </a:ext>
+                </a:extLst>
+              </a:tr>
+              <a:tr h="370840">
+                <a:tc>
+                  <a:txBody>
+                    <a:bodyPr/>
+                    <a:lstStyle/>
+                    <a:p>
+                      <a:pPr marL="0" marR="0" lvl="0" indent="0" algn="l" defTabSz="2167402" rtl="0" eaLnBrk="1" fontAlgn="auto" latinLnBrk="0" hangingPunct="1">
+                        <a:lnSpc>
+                          <a:spcPct val="100000"/>
+                        </a:lnSpc>
+                        <a:spcBef>
+                          <a:spcPts val="0"/>
+                        </a:spcBef>
+                        <a:spcAft>
+                          <a:spcPts val="0"/>
+                        </a:spcAft>
+                        <a:buClrTx/>
+                        <a:buSzTx/>
+                        <a:buFontTx/>
+                        <a:buNone/>
+                        <a:tabLst/>
+                        <a:defRPr/>
+                      </a:pPr>
+                      <a:r>
+                        <a:rPr kumimoji="1" lang="pt-BR" altLang="ja-JP" sz="3600" b="0" kern="1200" dirty="0">
+                          <a:solidFill>
+                            <a:schemeClr val="dk1"/>
+                          </a:solidFill>
+                          <a:effectLst/>
+                          <a:latin typeface="+mn-lt"/>
+                          <a:ea typeface="+mn-ea"/>
+                          <a:cs typeface="+mn-cs"/>
+                        </a:rPr>
+                        <a:t>-0.25f</a:t>
+                      </a:r>
+                    </a:p>
+                  </a:txBody>
+                  <a:tcPr/>
+                </a:tc>
+                <a:tc>
+                  <a:txBody>
+                    <a:bodyPr/>
+                    <a:lstStyle/>
+                    <a:p>
+                      <a:pPr marL="0" marR="0" lvl="0" indent="0" algn="l" defTabSz="2167402" rtl="0" eaLnBrk="1" fontAlgn="auto" latinLnBrk="0" hangingPunct="1">
+                        <a:lnSpc>
+                          <a:spcPct val="100000"/>
+                        </a:lnSpc>
+                        <a:spcBef>
+                          <a:spcPts val="0"/>
+                        </a:spcBef>
+                        <a:spcAft>
+                          <a:spcPts val="0"/>
+                        </a:spcAft>
+                        <a:buClrTx/>
+                        <a:buSzTx/>
+                        <a:buFontTx/>
+                        <a:buNone/>
+                        <a:tabLst/>
+                        <a:defRPr/>
+                      </a:pPr>
+                      <a:r>
+                        <a:rPr kumimoji="1" lang="pt-BR" altLang="ja-JP" sz="3600" b="0" kern="1200" dirty="0">
+                          <a:solidFill>
+                            <a:schemeClr val="dk1"/>
+                          </a:solidFill>
+                          <a:effectLst/>
+                          <a:latin typeface="+mn-lt"/>
+                          <a:ea typeface="+mn-ea"/>
+                          <a:cs typeface="+mn-cs"/>
+                        </a:rPr>
+                        <a:t>-0.25f</a:t>
+                      </a:r>
+                      <a:r>
+                        <a:rPr kumimoji="1" lang="ja-JP" altLang="en-US" sz="3600" b="0" kern="1200" dirty="0">
+                          <a:solidFill>
+                            <a:schemeClr val="dk1"/>
+                          </a:solidFill>
+                          <a:effectLst/>
+                          <a:latin typeface="+mn-lt"/>
+                          <a:ea typeface="+mn-ea"/>
+                          <a:cs typeface="+mn-cs"/>
+                        </a:rPr>
+                        <a:t> * アスペクト比</a:t>
+                      </a:r>
+                      <a:r>
+                        <a:rPr kumimoji="1" lang="en-US" altLang="ja-JP" sz="3600" b="0" kern="1200" dirty="0">
+                          <a:solidFill>
+                            <a:schemeClr val="dk1"/>
+                          </a:solidFill>
+                          <a:effectLst/>
+                          <a:latin typeface="+mn-lt"/>
+                          <a:ea typeface="+mn-ea"/>
+                          <a:cs typeface="+mn-cs"/>
+                        </a:rPr>
+                        <a:t>_</a:t>
+                      </a:r>
+                      <a:endParaRPr kumimoji="1" lang="ja-JP" altLang="en-US" sz="3600" b="0" kern="1200" dirty="0">
+                        <a:solidFill>
+                          <a:schemeClr val="dk1"/>
+                        </a:solidFill>
+                        <a:effectLst/>
+                        <a:latin typeface="+mn-lt"/>
+                        <a:ea typeface="+mn-ea"/>
+                        <a:cs typeface="+mn-cs"/>
+                      </a:endParaRPr>
+                    </a:p>
+                  </a:txBody>
+                  <a:tcPr/>
+                </a:tc>
+                <a:tc>
+                  <a:txBody>
+                    <a:bodyPr/>
+                    <a:lstStyle/>
+                    <a:p>
+                      <a:pPr marL="0" marR="0" lvl="0" indent="0" algn="l" defTabSz="2167402" rtl="0" eaLnBrk="1" fontAlgn="auto" latinLnBrk="0" hangingPunct="1">
+                        <a:lnSpc>
+                          <a:spcPct val="100000"/>
+                        </a:lnSpc>
+                        <a:spcBef>
+                          <a:spcPts val="0"/>
+                        </a:spcBef>
+                        <a:spcAft>
+                          <a:spcPts val="0"/>
+                        </a:spcAft>
+                        <a:buClrTx/>
+                        <a:buSzTx/>
+                        <a:buFontTx/>
+                        <a:buNone/>
+                        <a:tabLst/>
+                        <a:defRPr/>
+                      </a:pPr>
+                      <a:r>
+                        <a:rPr kumimoji="1" lang="pt-BR" altLang="ja-JP" sz="3600" b="0" kern="1200" dirty="0">
+                          <a:solidFill>
+                            <a:schemeClr val="dk1"/>
+                          </a:solidFill>
+                          <a:effectLst/>
+                          <a:latin typeface="+mn-lt"/>
+                          <a:ea typeface="+mn-ea"/>
+                          <a:cs typeface="+mn-cs"/>
+                        </a:rPr>
+                        <a:t>0.0f</a:t>
+                      </a:r>
+                    </a:p>
+                  </a:txBody>
+                  <a:tcPr/>
+                </a:tc>
+                <a:tc>
+                  <a:txBody>
+                    <a:bodyPr/>
+                    <a:lstStyle/>
+                    <a:p>
+                      <a:r>
+                        <a:rPr kumimoji="1" lang="en-US" altLang="ja-JP" sz="3600" dirty="0"/>
+                        <a:t>0</a:t>
+                      </a:r>
+                      <a:endParaRPr kumimoji="1" lang="ja-JP" altLang="en-US" sz="3600" dirty="0"/>
+                    </a:p>
+                  </a:txBody>
+                  <a:tcPr/>
+                </a:tc>
+                <a:tc>
+                  <a:txBody>
+                    <a:bodyPr/>
+                    <a:lstStyle/>
+                    <a:p>
+                      <a:r>
+                        <a:rPr kumimoji="1" lang="en-US" altLang="ja-JP" sz="3600" dirty="0"/>
+                        <a:t>0</a:t>
+                      </a:r>
+                      <a:endParaRPr kumimoji="1" lang="ja-JP" altLang="en-US" sz="3600" dirty="0"/>
+                    </a:p>
+                  </a:txBody>
+                  <a:tcPr/>
+                </a:tc>
+                <a:tc>
+                  <a:txBody>
+                    <a:bodyPr/>
+                    <a:lstStyle/>
+                    <a:p>
+                      <a:r>
+                        <a:rPr kumimoji="1" lang="en-US" altLang="ja-JP" sz="3600" dirty="0"/>
+                        <a:t>0xff</a:t>
+                      </a:r>
+                      <a:endParaRPr kumimoji="1" lang="ja-JP" altLang="en-US" sz="3600" dirty="0"/>
+                    </a:p>
+                  </a:txBody>
+                  <a:tcPr/>
+                </a:tc>
+                <a:tc>
+                  <a:txBody>
+                    <a:bodyPr/>
+                    <a:lstStyle/>
+                    <a:p>
+                      <a:r>
+                        <a:rPr kumimoji="1" lang="en-US" altLang="ja-JP" sz="3600" dirty="0"/>
+                        <a:t>0xff</a:t>
+                      </a:r>
+                      <a:endParaRPr kumimoji="1" lang="ja-JP" altLang="en-US" sz="3600" dirty="0"/>
+                    </a:p>
+                  </a:txBody>
+                  <a:tcPr/>
+                </a:tc>
+                <a:extLst>
+                  <a:ext uri="{0D108BD9-81ED-4DB2-BD59-A6C34878D82A}">
+                    <a16:rowId xmlns:a16="http://schemas.microsoft.com/office/drawing/2014/main" val="3491207193"/>
+                  </a:ext>
+                </a:extLst>
+              </a:tr>
+            </a:tbl>
+          </a:graphicData>
+        </a:graphic>
+      </p:graphicFrame>
+      <p:sp>
+        <p:nvSpPr>
+          <p:cNvPr id="7" name="テキスト ボックス 6">
+            <a:extLst>
+              <a:ext uri="{FF2B5EF4-FFF2-40B4-BE49-F238E27FC236}">
+                <a16:creationId xmlns:a16="http://schemas.microsoft.com/office/drawing/2014/main" id="{FC94F4A5-14C0-63E7-82D0-8D4005510BE9}"/>
+              </a:ext>
+            </a:extLst>
+          </p:cNvPr>
+          <p:cNvSpPr txBox="1"/>
+          <p:nvPr/>
+        </p:nvSpPr>
+        <p:spPr>
+          <a:xfrm>
+            <a:off x="10016838" y="7593245"/>
+            <a:ext cx="2923309" cy="461665"/>
+          </a:xfrm>
+          <a:prstGeom prst="rect">
+            <a:avLst/>
+          </a:prstGeom>
+          <a:noFill/>
+        </p:spPr>
+        <p:txBody>
+          <a:bodyPr wrap="square">
+            <a:spAutoFit/>
+          </a:bodyPr>
+          <a:lstStyle/>
+          <a:p>
+            <a:r>
+              <a:rPr lang="pt-BR" altLang="ja-JP" sz="2400" dirty="0"/>
+              <a:t>Resource</a:t>
+            </a:r>
+            <a:endParaRPr lang="ja-JP" altLang="en-US" sz="2400" dirty="0"/>
+          </a:p>
+        </p:txBody>
+      </p:sp>
+      <p:sp>
+        <p:nvSpPr>
+          <p:cNvPr id="9" name="テキスト ボックス 8">
+            <a:extLst>
+              <a:ext uri="{FF2B5EF4-FFF2-40B4-BE49-F238E27FC236}">
+                <a16:creationId xmlns:a16="http://schemas.microsoft.com/office/drawing/2014/main" id="{8EB58C79-5635-F551-BFF0-437434416F24}"/>
+              </a:ext>
+            </a:extLst>
+          </p:cNvPr>
+          <p:cNvSpPr txBox="1"/>
+          <p:nvPr/>
+        </p:nvSpPr>
+        <p:spPr>
+          <a:xfrm>
+            <a:off x="2883153" y="8836422"/>
+            <a:ext cx="4613564" cy="461665"/>
+          </a:xfrm>
+          <a:prstGeom prst="rect">
+            <a:avLst/>
+          </a:prstGeom>
+          <a:noFill/>
+        </p:spPr>
+        <p:txBody>
+          <a:bodyPr wrap="square">
+            <a:spAutoFit/>
+          </a:bodyPr>
+          <a:lstStyle/>
+          <a:p>
+            <a:r>
+              <a:rPr lang="pt-BR" altLang="ja-JP" sz="2400" dirty="0"/>
+              <a:t>D3D12_VERTEX_BUFFER_VIEW</a:t>
+            </a:r>
+            <a:endParaRPr lang="ja-JP" altLang="en-US" sz="2400" dirty="0"/>
+          </a:p>
+        </p:txBody>
+      </p:sp>
+      <p:cxnSp>
+        <p:nvCxnSpPr>
+          <p:cNvPr id="29" name="直線矢印コネクタ 28">
+            <a:extLst>
+              <a:ext uri="{FF2B5EF4-FFF2-40B4-BE49-F238E27FC236}">
+                <a16:creationId xmlns:a16="http://schemas.microsoft.com/office/drawing/2014/main" id="{BC2F43EB-0C4F-BD6C-77AB-BE5ADEB1ACA5}"/>
+              </a:ext>
+            </a:extLst>
+          </p:cNvPr>
+          <p:cNvCxnSpPr>
+            <a:cxnSpLocks/>
+            <a:stCxn id="25" idx="3"/>
+            <a:endCxn id="3" idx="1"/>
+          </p:cNvCxnSpPr>
+          <p:nvPr/>
+        </p:nvCxnSpPr>
+        <p:spPr>
+          <a:xfrm>
+            <a:off x="7924801" y="8953062"/>
+            <a:ext cx="2092037" cy="0"/>
+          </a:xfrm>
+          <a:prstGeom prst="straightConnector1">
+            <a:avLst/>
+          </a:prstGeom>
+          <a:ln>
+            <a:solidFill>
+              <a:srgbClr val="FFC000"/>
+            </a:solidFill>
+            <a:tailEnd type="triangle"/>
+          </a:ln>
+        </p:spPr>
+        <p:style>
+          <a:lnRef idx="2">
+            <a:schemeClr val="accent1"/>
+          </a:lnRef>
+          <a:fillRef idx="0">
+            <a:schemeClr val="accent1"/>
+          </a:fillRef>
+          <a:effectRef idx="1">
+            <a:schemeClr val="accent1"/>
+          </a:effectRef>
+          <a:fontRef idx="minor">
+            <a:schemeClr val="tx1"/>
+          </a:fontRef>
+        </p:style>
+      </p:cxnSp>
+      <p:sp>
+        <p:nvSpPr>
+          <p:cNvPr id="34" name="テキスト ボックス 33">
+            <a:extLst>
+              <a:ext uri="{FF2B5EF4-FFF2-40B4-BE49-F238E27FC236}">
+                <a16:creationId xmlns:a16="http://schemas.microsoft.com/office/drawing/2014/main" id="{3819FB23-231C-CB7A-8CBF-56144182587F}"/>
+              </a:ext>
+            </a:extLst>
+          </p:cNvPr>
+          <p:cNvSpPr txBox="1"/>
+          <p:nvPr/>
+        </p:nvSpPr>
+        <p:spPr>
+          <a:xfrm>
+            <a:off x="2855946" y="8537562"/>
+            <a:ext cx="2262158" cy="369332"/>
+          </a:xfrm>
+          <a:prstGeom prst="rect">
+            <a:avLst/>
+          </a:prstGeom>
+          <a:noFill/>
+        </p:spPr>
+        <p:txBody>
+          <a:bodyPr wrap="none" rtlCol="0">
+            <a:spAutoFit/>
+          </a:bodyPr>
+          <a:lstStyle/>
+          <a:p>
+            <a:r>
+              <a:rPr kumimoji="1" lang="ja-JP" altLang="en-US" dirty="0"/>
+              <a:t>頂点バッファビュー</a:t>
+            </a:r>
+          </a:p>
+        </p:txBody>
+      </p:sp>
+    </p:spTree>
+    <p:extLst>
+      <p:ext uri="{BB962C8B-B14F-4D97-AF65-F5344CB8AC3E}">
+        <p14:creationId xmlns:p14="http://schemas.microsoft.com/office/powerpoint/2010/main" val="924791794"/>
+      </p:ext>
+    </p:extLst>
+  </p:cSld>
+  <p:clrMapOvr>
+    <a:masterClrMapping/>
+  </p:clrMapOvr>
+</p:sld>
+</file>
+
+<file path=ppt/slides/slide3.xml><?xml version="1.0" encoding="utf-8"?>
+<p:sld xmlns:a="http://schemas.openxmlformats.org/drawingml/2006/main" xmlns:r="http://schemas.openxmlformats.org/officeDocument/2006/relationships" xmlns:p="http://schemas.openxmlformats.org/presentationml/2006/main">
+  <p:cSld>
+    <p:spTree>
+      <p:nvGrpSpPr>
+        <p:cNvPr id="1" name="">
+          <a:extLst>
+            <a:ext uri="{FF2B5EF4-FFF2-40B4-BE49-F238E27FC236}">
+              <a16:creationId xmlns:a16="http://schemas.microsoft.com/office/drawing/2014/main" id="{03E08CBC-2B8B-34FB-22E9-23D1B1A90BF6}"/>
+            </a:ext>
+          </a:extLst>
+        </p:cNvPr>
+        <p:cNvGrpSpPr/>
+        <p:nvPr/>
+      </p:nvGrpSpPr>
+      <p:grpSpPr>
+        <a:xfrm>
+          <a:off x="0" y="0"/>
+          <a:ext cx="0" cy="0"/>
+          <a:chOff x="0" y="0"/>
+          <a:chExt cx="0" cy="0"/>
+        </a:xfrm>
+      </p:grpSpPr>
+      <p:sp>
+        <p:nvSpPr>
+          <p:cNvPr id="25" name="正方形/長方形 24">
+            <a:extLst>
+              <a:ext uri="{FF2B5EF4-FFF2-40B4-BE49-F238E27FC236}">
+                <a16:creationId xmlns:a16="http://schemas.microsoft.com/office/drawing/2014/main" id="{F22900E8-4839-2BB9-BB29-2F7B6D2CD760}"/>
+              </a:ext>
+            </a:extLst>
+          </p:cNvPr>
+          <p:cNvSpPr/>
+          <p:nvPr/>
+        </p:nvSpPr>
+        <p:spPr>
+          <a:xfrm>
+            <a:off x="2867892" y="8419096"/>
+            <a:ext cx="5056909" cy="1067931"/>
+          </a:xfrm>
+          <a:prstGeom prst="rect">
+            <a:avLst/>
+          </a:prstGeom>
+          <a:solidFill>
+            <a:srgbClr val="FFFFCC"/>
+          </a:solidFill>
+          <a:ln>
+            <a:solidFill>
+              <a:srgbClr val="FFC000"/>
+            </a:solidFill>
+          </a:ln>
+        </p:spPr>
+        <p:style>
+          <a:lnRef idx="2">
+            <a:schemeClr val="accent1">
+              <a:shade val="15000"/>
+            </a:schemeClr>
+          </a:lnRef>
+          <a:fillRef idx="1">
+            <a:schemeClr val="accent1"/>
+          </a:fillRef>
+          <a:effectRef idx="0">
+            <a:schemeClr val="accent1"/>
+          </a:effectRef>
+          <a:fontRef idx="minor">
+            <a:schemeClr val="lt1"/>
+          </a:fontRef>
+        </p:style>
+        <p:txBody>
+          <a:bodyPr rtlCol="0" anchor="ctr"/>
+          <a:lstStyle/>
+          <a:p>
+            <a:pPr algn="ctr"/>
+            <a:endParaRPr kumimoji="1" lang="ja-JP" altLang="en-US"/>
+          </a:p>
+        </p:txBody>
+      </p:sp>
+      <p:sp>
+        <p:nvSpPr>
+          <p:cNvPr id="22" name="正方形/長方形 21">
+            <a:extLst>
+              <a:ext uri="{FF2B5EF4-FFF2-40B4-BE49-F238E27FC236}">
+                <a16:creationId xmlns:a16="http://schemas.microsoft.com/office/drawing/2014/main" id="{C592527B-EC5D-B3A1-15FF-F06604A12093}"/>
+              </a:ext>
+            </a:extLst>
+          </p:cNvPr>
+          <p:cNvSpPr/>
+          <p:nvPr/>
+        </p:nvSpPr>
+        <p:spPr>
+          <a:xfrm>
+            <a:off x="2867893" y="3819430"/>
+            <a:ext cx="5943598" cy="3773814"/>
+          </a:xfrm>
+          <a:prstGeom prst="rect">
+            <a:avLst/>
+          </a:prstGeom>
+          <a:solidFill>
+            <a:schemeClr val="tx2">
+              <a:lumMod val="10000"/>
+              <a:lumOff val="90000"/>
+            </a:schemeClr>
+          </a:solidFill>
+          <a:ln>
+            <a:solidFill>
+              <a:srgbClr val="0070C0"/>
+            </a:solidFill>
+          </a:ln>
+        </p:spPr>
+        <p:style>
+          <a:lnRef idx="2">
+            <a:schemeClr val="accent1">
+              <a:shade val="15000"/>
+            </a:schemeClr>
+          </a:lnRef>
+          <a:fillRef idx="1">
+            <a:schemeClr val="accent1"/>
+          </a:fillRef>
+          <a:effectRef idx="0">
+            <a:schemeClr val="accent1"/>
+          </a:effectRef>
+          <a:fontRef idx="minor">
+            <a:schemeClr val="lt1"/>
+          </a:fontRef>
+        </p:style>
+        <p:txBody>
+          <a:bodyPr rtlCol="0" anchor="ctr"/>
+          <a:lstStyle/>
+          <a:p>
+            <a:pPr algn="ctr"/>
+            <a:endParaRPr kumimoji="1" lang="ja-JP" altLang="en-US"/>
+          </a:p>
+        </p:txBody>
+      </p:sp>
+      <p:graphicFrame>
+        <p:nvGraphicFramePr>
+          <p:cNvPr id="2" name="表 1">
+            <a:extLst>
+              <a:ext uri="{FF2B5EF4-FFF2-40B4-BE49-F238E27FC236}">
+                <a16:creationId xmlns:a16="http://schemas.microsoft.com/office/drawing/2014/main" id="{02819BEF-4930-5F05-2373-DF1C76BAF323}"/>
+              </a:ext>
+            </a:extLst>
+          </p:cNvPr>
+          <p:cNvGraphicFramePr>
+            <a:graphicFrameLocks noGrp="1"/>
+          </p:cNvGraphicFramePr>
+          <p:nvPr/>
+        </p:nvGraphicFramePr>
+        <p:xfrm>
+          <a:off x="10016838" y="6800483"/>
+          <a:ext cx="11360727" cy="741744"/>
+        </p:xfrm>
+        <a:graphic>
+          <a:graphicData uri="http://schemas.openxmlformats.org/drawingml/2006/table">
+            <a:tbl>
+              <a:tblPr firstRow="1" bandRow="1">
+                <a:tableStyleId>{5C22544A-7EE6-4342-B048-85BDC9FD1C3A}</a:tableStyleId>
+              </a:tblPr>
+              <a:tblGrid>
+                <a:gridCol w="1596134">
+                  <a:extLst>
+                    <a:ext uri="{9D8B030D-6E8A-4147-A177-3AD203B41FA5}">
+                      <a16:colId xmlns:a16="http://schemas.microsoft.com/office/drawing/2014/main" val="3341462470"/>
+                    </a:ext>
+                  </a:extLst>
+                </a:gridCol>
+                <a:gridCol w="4846227">
+                  <a:extLst>
+                    <a:ext uri="{9D8B030D-6E8A-4147-A177-3AD203B41FA5}">
+                      <a16:colId xmlns:a16="http://schemas.microsoft.com/office/drawing/2014/main" val="948042112"/>
+                    </a:ext>
+                  </a:extLst>
+                </a:gridCol>
+                <a:gridCol w="997528">
+                  <a:extLst>
+                    <a:ext uri="{9D8B030D-6E8A-4147-A177-3AD203B41FA5}">
+                      <a16:colId xmlns:a16="http://schemas.microsoft.com/office/drawing/2014/main" val="500966471"/>
+                    </a:ext>
+                  </a:extLst>
+                </a:gridCol>
+                <a:gridCol w="928254">
+                  <a:extLst>
+                    <a:ext uri="{9D8B030D-6E8A-4147-A177-3AD203B41FA5}">
+                      <a16:colId xmlns:a16="http://schemas.microsoft.com/office/drawing/2014/main" val="4254790576"/>
+                    </a:ext>
+                  </a:extLst>
+                </a:gridCol>
+                <a:gridCol w="872837">
+                  <a:extLst>
+                    <a:ext uri="{9D8B030D-6E8A-4147-A177-3AD203B41FA5}">
+                      <a16:colId xmlns:a16="http://schemas.microsoft.com/office/drawing/2014/main" val="500959226"/>
+                    </a:ext>
+                  </a:extLst>
+                </a:gridCol>
+                <a:gridCol w="969818">
+                  <a:extLst>
+                    <a:ext uri="{9D8B030D-6E8A-4147-A177-3AD203B41FA5}">
+                      <a16:colId xmlns:a16="http://schemas.microsoft.com/office/drawing/2014/main" val="1845997283"/>
+                    </a:ext>
+                  </a:extLst>
+                </a:gridCol>
+                <a:gridCol w="1149929">
+                  <a:extLst>
+                    <a:ext uri="{9D8B030D-6E8A-4147-A177-3AD203B41FA5}">
+                      <a16:colId xmlns:a16="http://schemas.microsoft.com/office/drawing/2014/main" val="3119994698"/>
+                    </a:ext>
+                  </a:extLst>
+                </a:gridCol>
+              </a:tblGrid>
+              <a:tr h="370840">
+                <a:tc>
+                  <a:txBody>
+                    <a:bodyPr/>
+                    <a:lstStyle/>
+                    <a:p>
+                      <a:pPr algn="ctr"/>
+                      <a:r>
+                        <a:rPr kumimoji="1" lang="en-US" altLang="ja-JP" dirty="0"/>
+                        <a:t>x</a:t>
+                      </a:r>
+                      <a:endParaRPr kumimoji="1" lang="ja-JP" altLang="en-US" dirty="0"/>
+                    </a:p>
+                  </a:txBody>
+                  <a:tcPr/>
+                </a:tc>
+                <a:tc>
+                  <a:txBody>
+                    <a:bodyPr/>
+                    <a:lstStyle/>
+                    <a:p>
+                      <a:pPr algn="ctr"/>
+                      <a:r>
+                        <a:rPr kumimoji="1" lang="en-US" altLang="ja-JP" dirty="0"/>
+                        <a:t>y</a:t>
+                      </a:r>
+                      <a:endParaRPr kumimoji="1" lang="ja-JP" altLang="en-US" dirty="0"/>
+                    </a:p>
+                  </a:txBody>
+                  <a:tcPr/>
+                </a:tc>
+                <a:tc>
+                  <a:txBody>
+                    <a:bodyPr/>
+                    <a:lstStyle/>
+                    <a:p>
+                      <a:pPr algn="ctr"/>
+                      <a:r>
+                        <a:rPr kumimoji="1" lang="en-US" altLang="ja-JP" dirty="0"/>
+                        <a:t>z</a:t>
+                      </a:r>
+                      <a:endParaRPr kumimoji="1" lang="ja-JP" altLang="en-US" dirty="0"/>
+                    </a:p>
+                  </a:txBody>
+                  <a:tcPr/>
+                </a:tc>
+                <a:tc>
+                  <a:txBody>
+                    <a:bodyPr/>
+                    <a:lstStyle/>
+                    <a:p>
+                      <a:pPr algn="ctr"/>
+                      <a:r>
+                        <a:rPr kumimoji="1" lang="ja-JP" altLang="en-US" dirty="0"/>
+                        <a:t>赤</a:t>
+                      </a:r>
+                    </a:p>
+                  </a:txBody>
+                  <a:tcPr/>
+                </a:tc>
+                <a:tc>
+                  <a:txBody>
+                    <a:bodyPr/>
+                    <a:lstStyle/>
+                    <a:p>
+                      <a:pPr algn="ctr"/>
+                      <a:r>
+                        <a:rPr kumimoji="1" lang="ja-JP" altLang="en-US" dirty="0"/>
+                        <a:t>緑</a:t>
+                      </a:r>
+                    </a:p>
+                  </a:txBody>
+                  <a:tcPr/>
+                </a:tc>
+                <a:tc>
+                  <a:txBody>
+                    <a:bodyPr/>
+                    <a:lstStyle/>
+                    <a:p>
+                      <a:pPr algn="ctr"/>
+                      <a:r>
+                        <a:rPr kumimoji="1" lang="ja-JP" altLang="en-US" dirty="0"/>
+                        <a:t>青</a:t>
+                      </a:r>
+                    </a:p>
+                  </a:txBody>
+                  <a:tcPr/>
+                </a:tc>
+                <a:tc>
+                  <a:txBody>
+                    <a:bodyPr/>
+                    <a:lstStyle/>
+                    <a:p>
+                      <a:pPr algn="ctr"/>
+                      <a:r>
+                        <a:rPr kumimoji="1" lang="en-US" altLang="ja-JP" dirty="0"/>
+                        <a:t>α</a:t>
+                      </a:r>
+                      <a:endParaRPr kumimoji="1" lang="ja-JP" altLang="en-US" dirty="0"/>
+                    </a:p>
+                  </a:txBody>
+                  <a:tcPr/>
+                </a:tc>
+                <a:extLst>
+                  <a:ext uri="{0D108BD9-81ED-4DB2-BD59-A6C34878D82A}">
+                    <a16:rowId xmlns:a16="http://schemas.microsoft.com/office/drawing/2014/main" val="1689363434"/>
+                  </a:ext>
+                </a:extLst>
+              </a:tr>
+            </a:tbl>
+          </a:graphicData>
+        </a:graphic>
+      </p:graphicFrame>
+      <p:graphicFrame>
+        <p:nvGraphicFramePr>
+          <p:cNvPr id="3" name="表 2">
+            <a:extLst>
+              <a:ext uri="{FF2B5EF4-FFF2-40B4-BE49-F238E27FC236}">
+                <a16:creationId xmlns:a16="http://schemas.microsoft.com/office/drawing/2014/main" id="{8204E667-05F6-3DA9-AF44-4A65B5E672A9}"/>
+              </a:ext>
+            </a:extLst>
+          </p:cNvPr>
+          <p:cNvGraphicFramePr>
+            <a:graphicFrameLocks noGrp="1"/>
+          </p:cNvGraphicFramePr>
+          <p:nvPr/>
+        </p:nvGraphicFramePr>
+        <p:xfrm>
+          <a:off x="10016838" y="7992942"/>
+          <a:ext cx="11360726" cy="1920240"/>
+        </p:xfrm>
+        <a:graphic>
+          <a:graphicData uri="http://schemas.openxmlformats.org/drawingml/2006/table">
+            <a:tbl>
+              <a:tblPr bandRow="1">
+                <a:tableStyleId>{5C22544A-7EE6-4342-B048-85BDC9FD1C3A}</a:tableStyleId>
+              </a:tblPr>
+              <a:tblGrid>
+                <a:gridCol w="1596134">
+                  <a:extLst>
+                    <a:ext uri="{9D8B030D-6E8A-4147-A177-3AD203B41FA5}">
+                      <a16:colId xmlns:a16="http://schemas.microsoft.com/office/drawing/2014/main" val="3341462470"/>
+                    </a:ext>
+                  </a:extLst>
+                </a:gridCol>
+                <a:gridCol w="4818518">
+                  <a:extLst>
+                    <a:ext uri="{9D8B030D-6E8A-4147-A177-3AD203B41FA5}">
+                      <a16:colId xmlns:a16="http://schemas.microsoft.com/office/drawing/2014/main" val="948042112"/>
+                    </a:ext>
+                  </a:extLst>
+                </a:gridCol>
+                <a:gridCol w="983673">
+                  <a:extLst>
+                    <a:ext uri="{9D8B030D-6E8A-4147-A177-3AD203B41FA5}">
+                      <a16:colId xmlns:a16="http://schemas.microsoft.com/office/drawing/2014/main" val="500966471"/>
+                    </a:ext>
+                  </a:extLst>
+                </a:gridCol>
+                <a:gridCol w="942109">
+                  <a:extLst>
+                    <a:ext uri="{9D8B030D-6E8A-4147-A177-3AD203B41FA5}">
+                      <a16:colId xmlns:a16="http://schemas.microsoft.com/office/drawing/2014/main" val="4254790576"/>
+                    </a:ext>
+                  </a:extLst>
+                </a:gridCol>
+                <a:gridCol w="928255">
+                  <a:extLst>
+                    <a:ext uri="{9D8B030D-6E8A-4147-A177-3AD203B41FA5}">
+                      <a16:colId xmlns:a16="http://schemas.microsoft.com/office/drawing/2014/main" val="500959226"/>
+                    </a:ext>
+                  </a:extLst>
+                </a:gridCol>
+                <a:gridCol w="983672">
+                  <a:extLst>
+                    <a:ext uri="{9D8B030D-6E8A-4147-A177-3AD203B41FA5}">
+                      <a16:colId xmlns:a16="http://schemas.microsoft.com/office/drawing/2014/main" val="1845997283"/>
+                    </a:ext>
+                  </a:extLst>
+                </a:gridCol>
+                <a:gridCol w="1108365">
+                  <a:extLst>
+                    <a:ext uri="{9D8B030D-6E8A-4147-A177-3AD203B41FA5}">
+                      <a16:colId xmlns:a16="http://schemas.microsoft.com/office/drawing/2014/main" val="3119994698"/>
+                    </a:ext>
+                  </a:extLst>
+                </a:gridCol>
+              </a:tblGrid>
+              <a:tr h="370840">
+                <a:tc>
+                  <a:txBody>
+                    <a:bodyPr/>
+                    <a:lstStyle/>
+                    <a:p>
+                      <a:pPr marL="0" marR="0" lvl="0" indent="0" algn="l" defTabSz="2167402" rtl="0" eaLnBrk="1" fontAlgn="auto" latinLnBrk="0" hangingPunct="1">
+                        <a:lnSpc>
+                          <a:spcPct val="100000"/>
+                        </a:lnSpc>
+                        <a:spcBef>
+                          <a:spcPts val="0"/>
+                        </a:spcBef>
+                        <a:spcAft>
+                          <a:spcPts val="0"/>
+                        </a:spcAft>
+                        <a:buClrTx/>
+                        <a:buSzTx/>
+                        <a:buFontTx/>
+                        <a:buNone/>
+                        <a:tabLst/>
+                        <a:defRPr/>
+                      </a:pPr>
+                      <a:r>
+                        <a:rPr kumimoji="1" lang="pt-BR" altLang="ja-JP" sz="3600" b="0" kern="1200" dirty="0">
+                          <a:solidFill>
+                            <a:schemeClr val="dk1"/>
+                          </a:solidFill>
+                          <a:effectLst/>
+                          <a:latin typeface="+mn-lt"/>
+                          <a:ea typeface="+mn-ea"/>
+                          <a:cs typeface="+mn-cs"/>
+                        </a:rPr>
+                        <a:t>+0.0f</a:t>
+                      </a:r>
+                    </a:p>
+                  </a:txBody>
+                  <a:tcPr/>
+                </a:tc>
+                <a:tc>
+                  <a:txBody>
+                    <a:bodyPr/>
+                    <a:lstStyle/>
+                    <a:p>
+                      <a:pPr marL="0" marR="0" lvl="0" indent="0" algn="l" defTabSz="2167402" rtl="0" eaLnBrk="1" fontAlgn="auto" latinLnBrk="0" hangingPunct="1">
+                        <a:lnSpc>
+                          <a:spcPct val="100000"/>
+                        </a:lnSpc>
+                        <a:spcBef>
+                          <a:spcPts val="0"/>
+                        </a:spcBef>
+                        <a:spcAft>
+                          <a:spcPts val="0"/>
+                        </a:spcAft>
+                        <a:buClrTx/>
+                        <a:buSzTx/>
+                        <a:buFontTx/>
+                        <a:buNone/>
+                        <a:tabLst/>
+                        <a:defRPr/>
+                      </a:pPr>
+                      <a:r>
+                        <a:rPr kumimoji="1" lang="pt-BR" altLang="ja-JP" sz="3600" b="0" kern="1200" dirty="0">
+                          <a:solidFill>
+                            <a:schemeClr val="dk1"/>
+                          </a:solidFill>
+                          <a:effectLst/>
+                          <a:latin typeface="+mn-lt"/>
+                          <a:ea typeface="+mn-ea"/>
+                          <a:cs typeface="+mn-cs"/>
+                        </a:rPr>
+                        <a:t>+0.25f</a:t>
+                      </a:r>
+                      <a:r>
+                        <a:rPr kumimoji="1" lang="ja-JP" altLang="en-US" sz="3600" b="0" kern="1200" dirty="0">
+                          <a:solidFill>
+                            <a:schemeClr val="dk1"/>
+                          </a:solidFill>
+                          <a:effectLst/>
+                          <a:latin typeface="+mn-lt"/>
+                          <a:ea typeface="+mn-ea"/>
+                          <a:cs typeface="+mn-cs"/>
+                        </a:rPr>
+                        <a:t> * アスペクト比</a:t>
+                      </a:r>
+                      <a:r>
+                        <a:rPr kumimoji="1" lang="en-US" altLang="ja-JP" sz="3600" b="0" kern="1200" dirty="0">
+                          <a:solidFill>
+                            <a:schemeClr val="dk1"/>
+                          </a:solidFill>
+                          <a:effectLst/>
+                          <a:latin typeface="+mn-lt"/>
+                          <a:ea typeface="+mn-ea"/>
+                          <a:cs typeface="+mn-cs"/>
+                        </a:rPr>
+                        <a:t>_</a:t>
+                      </a:r>
+                      <a:endParaRPr kumimoji="1" lang="ja-JP" altLang="en-US" sz="3600" b="0" kern="1200" dirty="0">
+                        <a:solidFill>
+                          <a:schemeClr val="dk1"/>
+                        </a:solidFill>
+                        <a:effectLst/>
+                        <a:latin typeface="+mn-lt"/>
+                        <a:ea typeface="+mn-ea"/>
+                        <a:cs typeface="+mn-cs"/>
+                      </a:endParaRPr>
+                    </a:p>
+                  </a:txBody>
+                  <a:tcPr/>
+                </a:tc>
+                <a:tc>
+                  <a:txBody>
+                    <a:bodyPr/>
+                    <a:lstStyle/>
+                    <a:p>
+                      <a:pPr marL="0" marR="0" lvl="0" indent="0" algn="l" defTabSz="2167402" rtl="0" eaLnBrk="1" fontAlgn="auto" latinLnBrk="0" hangingPunct="1">
+                        <a:lnSpc>
+                          <a:spcPct val="100000"/>
+                        </a:lnSpc>
+                        <a:spcBef>
+                          <a:spcPts val="0"/>
+                        </a:spcBef>
+                        <a:spcAft>
+                          <a:spcPts val="0"/>
+                        </a:spcAft>
+                        <a:buClrTx/>
+                        <a:buSzTx/>
+                        <a:buFontTx/>
+                        <a:buNone/>
+                        <a:tabLst/>
+                        <a:defRPr/>
+                      </a:pPr>
+                      <a:r>
+                        <a:rPr kumimoji="1" lang="pt-BR" altLang="ja-JP" sz="3600" b="0" kern="1200" dirty="0">
+                          <a:solidFill>
+                            <a:schemeClr val="dk1"/>
+                          </a:solidFill>
+                          <a:effectLst/>
+                          <a:latin typeface="+mn-lt"/>
+                          <a:ea typeface="+mn-ea"/>
+                          <a:cs typeface="+mn-cs"/>
+                        </a:rPr>
+                        <a:t>0.0f</a:t>
+                      </a:r>
+                    </a:p>
+                  </a:txBody>
+                  <a:tcPr/>
+                </a:tc>
+                <a:tc>
+                  <a:txBody>
+                    <a:bodyPr/>
+                    <a:lstStyle/>
+                    <a:p>
+                      <a:r>
+                        <a:rPr kumimoji="1" lang="en-US" altLang="ja-JP" sz="3600" dirty="0"/>
+                        <a:t>0xff</a:t>
+                      </a:r>
+                      <a:endParaRPr kumimoji="1" lang="ja-JP" altLang="en-US" sz="3600" dirty="0"/>
+                    </a:p>
+                  </a:txBody>
+                  <a:tcPr/>
+                </a:tc>
+                <a:tc>
+                  <a:txBody>
+                    <a:bodyPr/>
+                    <a:lstStyle/>
+                    <a:p>
+                      <a:r>
+                        <a:rPr kumimoji="1" lang="en-US" altLang="ja-JP" sz="3600" dirty="0"/>
+                        <a:t>0</a:t>
+                      </a:r>
+                      <a:endParaRPr kumimoji="1" lang="ja-JP" altLang="en-US" sz="3600" dirty="0"/>
+                    </a:p>
+                  </a:txBody>
+                  <a:tcPr/>
+                </a:tc>
+                <a:tc>
+                  <a:txBody>
+                    <a:bodyPr/>
+                    <a:lstStyle/>
+                    <a:p>
+                      <a:r>
+                        <a:rPr kumimoji="1" lang="en-US" altLang="ja-JP" sz="3600" dirty="0"/>
+                        <a:t>0</a:t>
+                      </a:r>
+                      <a:endParaRPr kumimoji="1" lang="ja-JP" altLang="en-US" sz="3600" dirty="0"/>
+                    </a:p>
+                  </a:txBody>
+                  <a:tcPr/>
+                </a:tc>
+                <a:tc>
+                  <a:txBody>
+                    <a:bodyPr/>
+                    <a:lstStyle/>
+                    <a:p>
+                      <a:r>
+                        <a:rPr kumimoji="1" lang="en-US" altLang="ja-JP" sz="3600" dirty="0"/>
+                        <a:t>0xff</a:t>
+                      </a:r>
+                      <a:endParaRPr kumimoji="1" lang="ja-JP" altLang="en-US" sz="3600" dirty="0"/>
+                    </a:p>
+                  </a:txBody>
+                  <a:tcPr/>
+                </a:tc>
+                <a:extLst>
+                  <a:ext uri="{0D108BD9-81ED-4DB2-BD59-A6C34878D82A}">
+                    <a16:rowId xmlns:a16="http://schemas.microsoft.com/office/drawing/2014/main" val="3825520038"/>
+                  </a:ext>
+                </a:extLst>
+              </a:tr>
+              <a:tr h="370840">
+                <a:tc>
+                  <a:txBody>
+                    <a:bodyPr/>
+                    <a:lstStyle/>
+                    <a:p>
+                      <a:pPr marL="0" marR="0" lvl="0" indent="0" algn="l" defTabSz="2167402" rtl="0" eaLnBrk="1" fontAlgn="auto" latinLnBrk="0" hangingPunct="1">
+                        <a:lnSpc>
+                          <a:spcPct val="100000"/>
+                        </a:lnSpc>
+                        <a:spcBef>
+                          <a:spcPts val="0"/>
+                        </a:spcBef>
+                        <a:spcAft>
+                          <a:spcPts val="0"/>
+                        </a:spcAft>
+                        <a:buClrTx/>
+                        <a:buSzTx/>
+                        <a:buFontTx/>
+                        <a:buNone/>
+                        <a:tabLst/>
+                        <a:defRPr/>
+                      </a:pPr>
+                      <a:r>
+                        <a:rPr kumimoji="1" lang="pt-BR" altLang="ja-JP" sz="3600" b="0" kern="1200" dirty="0">
+                          <a:solidFill>
+                            <a:schemeClr val="dk1"/>
+                          </a:solidFill>
+                          <a:effectLst/>
+                          <a:latin typeface="+mn-lt"/>
+                          <a:ea typeface="+mn-ea"/>
+                          <a:cs typeface="+mn-cs"/>
+                        </a:rPr>
+                        <a:t>+0.25f</a:t>
+                      </a:r>
+                    </a:p>
+                  </a:txBody>
+                  <a:tcPr/>
+                </a:tc>
+                <a:tc>
+                  <a:txBody>
+                    <a:bodyPr/>
+                    <a:lstStyle/>
+                    <a:p>
+                      <a:pPr marL="0" marR="0" lvl="0" indent="0" algn="l" defTabSz="2167402" rtl="0" eaLnBrk="1" fontAlgn="auto" latinLnBrk="0" hangingPunct="1">
+                        <a:lnSpc>
+                          <a:spcPct val="100000"/>
+                        </a:lnSpc>
+                        <a:spcBef>
+                          <a:spcPts val="0"/>
+                        </a:spcBef>
+                        <a:spcAft>
+                          <a:spcPts val="0"/>
+                        </a:spcAft>
+                        <a:buClrTx/>
+                        <a:buSzTx/>
+                        <a:buFontTx/>
+                        <a:buNone/>
+                        <a:tabLst/>
+                        <a:defRPr/>
+                      </a:pPr>
+                      <a:r>
+                        <a:rPr kumimoji="1" lang="pt-BR" altLang="ja-JP" sz="3600" b="0" kern="1200" dirty="0">
+                          <a:solidFill>
+                            <a:schemeClr val="dk1"/>
+                          </a:solidFill>
+                          <a:effectLst/>
+                          <a:latin typeface="+mn-lt"/>
+                          <a:ea typeface="+mn-ea"/>
+                          <a:cs typeface="+mn-cs"/>
+                        </a:rPr>
+                        <a:t>-0.25f</a:t>
+                      </a:r>
+                      <a:r>
+                        <a:rPr kumimoji="1" lang="ja-JP" altLang="en-US" sz="3600" b="0" kern="1200" dirty="0">
+                          <a:solidFill>
+                            <a:schemeClr val="dk1"/>
+                          </a:solidFill>
+                          <a:effectLst/>
+                          <a:latin typeface="+mn-lt"/>
+                          <a:ea typeface="+mn-ea"/>
+                          <a:cs typeface="+mn-cs"/>
+                        </a:rPr>
+                        <a:t> * アスペクト比</a:t>
+                      </a:r>
+                      <a:r>
+                        <a:rPr kumimoji="1" lang="en-US" altLang="ja-JP" sz="3600" b="0" kern="1200" dirty="0">
+                          <a:solidFill>
+                            <a:schemeClr val="dk1"/>
+                          </a:solidFill>
+                          <a:effectLst/>
+                          <a:latin typeface="+mn-lt"/>
+                          <a:ea typeface="+mn-ea"/>
+                          <a:cs typeface="+mn-cs"/>
+                        </a:rPr>
+                        <a:t>_</a:t>
+                      </a:r>
+                      <a:endParaRPr kumimoji="1" lang="ja-JP" altLang="en-US" sz="3600" b="0" kern="1200" dirty="0">
+                        <a:solidFill>
+                          <a:schemeClr val="dk1"/>
+                        </a:solidFill>
+                        <a:effectLst/>
+                        <a:latin typeface="+mn-lt"/>
+                        <a:ea typeface="+mn-ea"/>
+                        <a:cs typeface="+mn-cs"/>
+                      </a:endParaRPr>
+                    </a:p>
+                  </a:txBody>
+                  <a:tcPr/>
+                </a:tc>
+                <a:tc>
+                  <a:txBody>
+                    <a:bodyPr/>
+                    <a:lstStyle/>
+                    <a:p>
+                      <a:pPr marL="0" marR="0" lvl="0" indent="0" algn="l" defTabSz="2167402" rtl="0" eaLnBrk="1" fontAlgn="auto" latinLnBrk="0" hangingPunct="1">
+                        <a:lnSpc>
+                          <a:spcPct val="100000"/>
+                        </a:lnSpc>
+                        <a:spcBef>
+                          <a:spcPts val="0"/>
+                        </a:spcBef>
+                        <a:spcAft>
+                          <a:spcPts val="0"/>
+                        </a:spcAft>
+                        <a:buClrTx/>
+                        <a:buSzTx/>
+                        <a:buFontTx/>
+                        <a:buNone/>
+                        <a:tabLst/>
+                        <a:defRPr/>
+                      </a:pPr>
+                      <a:r>
+                        <a:rPr kumimoji="1" lang="pt-BR" altLang="ja-JP" sz="3600" b="0" kern="1200" dirty="0">
+                          <a:solidFill>
+                            <a:schemeClr val="dk1"/>
+                          </a:solidFill>
+                          <a:effectLst/>
+                          <a:latin typeface="+mn-lt"/>
+                          <a:ea typeface="+mn-ea"/>
+                          <a:cs typeface="+mn-cs"/>
+                        </a:rPr>
+                        <a:t>0.0f</a:t>
+                      </a:r>
+                    </a:p>
+                  </a:txBody>
+                  <a:tcPr/>
+                </a:tc>
+                <a:tc>
+                  <a:txBody>
+                    <a:bodyPr/>
+                    <a:lstStyle/>
+                    <a:p>
+                      <a:r>
+                        <a:rPr kumimoji="1" lang="en-US" altLang="ja-JP" sz="3600" dirty="0"/>
+                        <a:t>0</a:t>
+                      </a:r>
+                      <a:endParaRPr kumimoji="1" lang="ja-JP" altLang="en-US" sz="3600" dirty="0"/>
+                    </a:p>
+                  </a:txBody>
+                  <a:tcPr/>
+                </a:tc>
+                <a:tc>
+                  <a:txBody>
+                    <a:bodyPr/>
+                    <a:lstStyle/>
+                    <a:p>
+                      <a:r>
+                        <a:rPr kumimoji="1" lang="en-US" altLang="ja-JP" sz="3600" dirty="0"/>
+                        <a:t>0xff</a:t>
+                      </a:r>
+                      <a:endParaRPr kumimoji="1" lang="ja-JP" altLang="en-US" sz="3600" dirty="0"/>
+                    </a:p>
+                  </a:txBody>
+                  <a:tcPr/>
+                </a:tc>
+                <a:tc>
+                  <a:txBody>
+                    <a:bodyPr/>
+                    <a:lstStyle/>
+                    <a:p>
+                      <a:r>
+                        <a:rPr kumimoji="1" lang="en-US" altLang="ja-JP" sz="3600" dirty="0"/>
+                        <a:t>0</a:t>
+                      </a:r>
+                      <a:endParaRPr kumimoji="1" lang="ja-JP" altLang="en-US" sz="3600" dirty="0"/>
+                    </a:p>
+                  </a:txBody>
+                  <a:tcPr/>
+                </a:tc>
+                <a:tc>
+                  <a:txBody>
+                    <a:bodyPr/>
+                    <a:lstStyle/>
+                    <a:p>
+                      <a:r>
+                        <a:rPr kumimoji="1" lang="en-US" altLang="ja-JP" sz="3600" dirty="0"/>
+                        <a:t>0xff</a:t>
+                      </a:r>
+                      <a:endParaRPr kumimoji="1" lang="ja-JP" altLang="en-US" sz="3600" dirty="0"/>
+                    </a:p>
+                  </a:txBody>
+                  <a:tcPr/>
+                </a:tc>
+                <a:extLst>
+                  <a:ext uri="{0D108BD9-81ED-4DB2-BD59-A6C34878D82A}">
+                    <a16:rowId xmlns:a16="http://schemas.microsoft.com/office/drawing/2014/main" val="4126356897"/>
+                  </a:ext>
+                </a:extLst>
+              </a:tr>
+              <a:tr h="370840">
+                <a:tc>
+                  <a:txBody>
+                    <a:bodyPr/>
+                    <a:lstStyle/>
+                    <a:p>
+                      <a:pPr marL="0" marR="0" lvl="0" indent="0" algn="l" defTabSz="2167402" rtl="0" eaLnBrk="1" fontAlgn="auto" latinLnBrk="0" hangingPunct="1">
+                        <a:lnSpc>
+                          <a:spcPct val="100000"/>
+                        </a:lnSpc>
+                        <a:spcBef>
+                          <a:spcPts val="0"/>
+                        </a:spcBef>
+                        <a:spcAft>
+                          <a:spcPts val="0"/>
+                        </a:spcAft>
+                        <a:buClrTx/>
+                        <a:buSzTx/>
+                        <a:buFontTx/>
+                        <a:buNone/>
+                        <a:tabLst/>
+                        <a:defRPr/>
+                      </a:pPr>
+                      <a:r>
+                        <a:rPr kumimoji="1" lang="pt-BR" altLang="ja-JP" sz="3600" b="0" kern="1200" dirty="0">
+                          <a:solidFill>
+                            <a:schemeClr val="dk1"/>
+                          </a:solidFill>
+                          <a:effectLst/>
+                          <a:latin typeface="+mn-lt"/>
+                          <a:ea typeface="+mn-ea"/>
+                          <a:cs typeface="+mn-cs"/>
+                        </a:rPr>
+                        <a:t>-0.25f</a:t>
+                      </a:r>
+                    </a:p>
+                  </a:txBody>
+                  <a:tcPr/>
+                </a:tc>
+                <a:tc>
+                  <a:txBody>
+                    <a:bodyPr/>
+                    <a:lstStyle/>
+                    <a:p>
+                      <a:pPr marL="0" marR="0" lvl="0" indent="0" algn="l" defTabSz="2167402" rtl="0" eaLnBrk="1" fontAlgn="auto" latinLnBrk="0" hangingPunct="1">
+                        <a:lnSpc>
+                          <a:spcPct val="100000"/>
+                        </a:lnSpc>
+                        <a:spcBef>
+                          <a:spcPts val="0"/>
+                        </a:spcBef>
+                        <a:spcAft>
+                          <a:spcPts val="0"/>
+                        </a:spcAft>
+                        <a:buClrTx/>
+                        <a:buSzTx/>
+                        <a:buFontTx/>
+                        <a:buNone/>
+                        <a:tabLst/>
+                        <a:defRPr/>
+                      </a:pPr>
+                      <a:r>
+                        <a:rPr kumimoji="1" lang="pt-BR" altLang="ja-JP" sz="3600" b="0" kern="1200" dirty="0">
+                          <a:solidFill>
+                            <a:schemeClr val="dk1"/>
+                          </a:solidFill>
+                          <a:effectLst/>
+                          <a:latin typeface="+mn-lt"/>
+                          <a:ea typeface="+mn-ea"/>
+                          <a:cs typeface="+mn-cs"/>
+                        </a:rPr>
+                        <a:t>-0.25f</a:t>
+                      </a:r>
+                      <a:r>
+                        <a:rPr kumimoji="1" lang="ja-JP" altLang="en-US" sz="3600" b="0" kern="1200" dirty="0">
+                          <a:solidFill>
+                            <a:schemeClr val="dk1"/>
+                          </a:solidFill>
+                          <a:effectLst/>
+                          <a:latin typeface="+mn-lt"/>
+                          <a:ea typeface="+mn-ea"/>
+                          <a:cs typeface="+mn-cs"/>
+                        </a:rPr>
+                        <a:t> * アスペクト比</a:t>
+                      </a:r>
+                      <a:r>
+                        <a:rPr kumimoji="1" lang="en-US" altLang="ja-JP" sz="3600" b="0" kern="1200" dirty="0">
+                          <a:solidFill>
+                            <a:schemeClr val="dk1"/>
+                          </a:solidFill>
+                          <a:effectLst/>
+                          <a:latin typeface="+mn-lt"/>
+                          <a:ea typeface="+mn-ea"/>
+                          <a:cs typeface="+mn-cs"/>
+                        </a:rPr>
+                        <a:t>_</a:t>
+                      </a:r>
+                      <a:endParaRPr kumimoji="1" lang="ja-JP" altLang="en-US" sz="3600" b="0" kern="1200" dirty="0">
+                        <a:solidFill>
+                          <a:schemeClr val="dk1"/>
+                        </a:solidFill>
+                        <a:effectLst/>
+                        <a:latin typeface="+mn-lt"/>
+                        <a:ea typeface="+mn-ea"/>
+                        <a:cs typeface="+mn-cs"/>
+                      </a:endParaRPr>
+                    </a:p>
+                  </a:txBody>
+                  <a:tcPr/>
+                </a:tc>
+                <a:tc>
+                  <a:txBody>
+                    <a:bodyPr/>
+                    <a:lstStyle/>
+                    <a:p>
+                      <a:pPr marL="0" marR="0" lvl="0" indent="0" algn="l" defTabSz="2167402" rtl="0" eaLnBrk="1" fontAlgn="auto" latinLnBrk="0" hangingPunct="1">
+                        <a:lnSpc>
+                          <a:spcPct val="100000"/>
+                        </a:lnSpc>
+                        <a:spcBef>
+                          <a:spcPts val="0"/>
+                        </a:spcBef>
+                        <a:spcAft>
+                          <a:spcPts val="0"/>
+                        </a:spcAft>
+                        <a:buClrTx/>
+                        <a:buSzTx/>
+                        <a:buFontTx/>
+                        <a:buNone/>
+                        <a:tabLst/>
+                        <a:defRPr/>
+                      </a:pPr>
+                      <a:r>
+                        <a:rPr kumimoji="1" lang="pt-BR" altLang="ja-JP" sz="3600" b="0" kern="1200" dirty="0">
+                          <a:solidFill>
+                            <a:schemeClr val="dk1"/>
+                          </a:solidFill>
+                          <a:effectLst/>
+                          <a:latin typeface="+mn-lt"/>
+                          <a:ea typeface="+mn-ea"/>
+                          <a:cs typeface="+mn-cs"/>
+                        </a:rPr>
+                        <a:t>0.0f</a:t>
+                      </a:r>
+                    </a:p>
+                  </a:txBody>
+                  <a:tcPr/>
+                </a:tc>
+                <a:tc>
+                  <a:txBody>
+                    <a:bodyPr/>
+                    <a:lstStyle/>
+                    <a:p>
+                      <a:r>
+                        <a:rPr kumimoji="1" lang="en-US" altLang="ja-JP" sz="3600" dirty="0"/>
+                        <a:t>0</a:t>
+                      </a:r>
+                      <a:endParaRPr kumimoji="1" lang="ja-JP" altLang="en-US" sz="3600" dirty="0"/>
+                    </a:p>
+                  </a:txBody>
+                  <a:tcPr/>
+                </a:tc>
+                <a:tc>
+                  <a:txBody>
+                    <a:bodyPr/>
+                    <a:lstStyle/>
+                    <a:p>
+                      <a:r>
+                        <a:rPr kumimoji="1" lang="en-US" altLang="ja-JP" sz="3600" dirty="0"/>
+                        <a:t>0</a:t>
+                      </a:r>
+                      <a:endParaRPr kumimoji="1" lang="ja-JP" altLang="en-US" sz="3600" dirty="0"/>
+                    </a:p>
+                  </a:txBody>
+                  <a:tcPr/>
+                </a:tc>
+                <a:tc>
+                  <a:txBody>
+                    <a:bodyPr/>
+                    <a:lstStyle/>
+                    <a:p>
+                      <a:r>
+                        <a:rPr kumimoji="1" lang="en-US" altLang="ja-JP" sz="3600" dirty="0"/>
+                        <a:t>0xff</a:t>
+                      </a:r>
+                      <a:endParaRPr kumimoji="1" lang="ja-JP" altLang="en-US" sz="3600" dirty="0"/>
+                    </a:p>
+                  </a:txBody>
+                  <a:tcPr/>
+                </a:tc>
+                <a:tc>
+                  <a:txBody>
+                    <a:bodyPr/>
+                    <a:lstStyle/>
+                    <a:p>
+                      <a:r>
+                        <a:rPr kumimoji="1" lang="en-US" altLang="ja-JP" sz="3600" dirty="0"/>
+                        <a:t>0xff</a:t>
+                      </a:r>
+                      <a:endParaRPr kumimoji="1" lang="ja-JP" altLang="en-US" sz="3600" dirty="0"/>
+                    </a:p>
+                  </a:txBody>
+                  <a:tcPr/>
+                </a:tc>
+                <a:extLst>
+                  <a:ext uri="{0D108BD9-81ED-4DB2-BD59-A6C34878D82A}">
+                    <a16:rowId xmlns:a16="http://schemas.microsoft.com/office/drawing/2014/main" val="3491207193"/>
+                  </a:ext>
+                </a:extLst>
+              </a:tr>
+            </a:tbl>
+          </a:graphicData>
+        </a:graphic>
+      </p:graphicFrame>
+      <p:sp>
+        <p:nvSpPr>
+          <p:cNvPr id="7" name="テキスト ボックス 6">
+            <a:extLst>
+              <a:ext uri="{FF2B5EF4-FFF2-40B4-BE49-F238E27FC236}">
+                <a16:creationId xmlns:a16="http://schemas.microsoft.com/office/drawing/2014/main" id="{63D9CD82-D9C7-F9E0-60E1-B135D8D31AF3}"/>
+              </a:ext>
+            </a:extLst>
+          </p:cNvPr>
+          <p:cNvSpPr txBox="1"/>
+          <p:nvPr/>
+        </p:nvSpPr>
+        <p:spPr>
+          <a:xfrm>
+            <a:off x="10016838" y="7593245"/>
+            <a:ext cx="2923309" cy="461665"/>
+          </a:xfrm>
+          <a:prstGeom prst="rect">
+            <a:avLst/>
+          </a:prstGeom>
+          <a:noFill/>
+        </p:spPr>
+        <p:txBody>
+          <a:bodyPr wrap="square">
+            <a:spAutoFit/>
+          </a:bodyPr>
+          <a:lstStyle/>
+          <a:p>
+            <a:r>
+              <a:rPr lang="pt-BR" altLang="ja-JP" sz="2400" dirty="0"/>
+              <a:t>Resource</a:t>
+            </a:r>
+            <a:endParaRPr lang="ja-JP" altLang="en-US" sz="2400" dirty="0"/>
+          </a:p>
+        </p:txBody>
+      </p:sp>
+      <p:sp>
+        <p:nvSpPr>
+          <p:cNvPr id="9" name="テキスト ボックス 8">
+            <a:extLst>
+              <a:ext uri="{FF2B5EF4-FFF2-40B4-BE49-F238E27FC236}">
+                <a16:creationId xmlns:a16="http://schemas.microsoft.com/office/drawing/2014/main" id="{37183617-39D1-7FF5-9D5E-97A1BB625F99}"/>
+              </a:ext>
+            </a:extLst>
+          </p:cNvPr>
+          <p:cNvSpPr txBox="1"/>
+          <p:nvPr/>
+        </p:nvSpPr>
+        <p:spPr>
+          <a:xfrm>
+            <a:off x="2883153" y="8836422"/>
+            <a:ext cx="4613564" cy="461665"/>
+          </a:xfrm>
+          <a:prstGeom prst="rect">
+            <a:avLst/>
+          </a:prstGeom>
+          <a:noFill/>
+        </p:spPr>
+        <p:txBody>
+          <a:bodyPr wrap="square">
+            <a:spAutoFit/>
+          </a:bodyPr>
+          <a:lstStyle/>
+          <a:p>
+            <a:r>
+              <a:rPr lang="pt-BR" altLang="ja-JP" sz="2400" dirty="0"/>
+              <a:t>D3D12_VERTEX_BUFFER_VIEW</a:t>
+            </a:r>
+            <a:endParaRPr lang="ja-JP" altLang="en-US" sz="2400" dirty="0"/>
+          </a:p>
+        </p:txBody>
+      </p:sp>
+      <p:sp>
+        <p:nvSpPr>
+          <p:cNvPr id="13" name="テキスト ボックス 12">
+            <a:extLst>
+              <a:ext uri="{FF2B5EF4-FFF2-40B4-BE49-F238E27FC236}">
+                <a16:creationId xmlns:a16="http://schemas.microsoft.com/office/drawing/2014/main" id="{FD80EC39-0C19-57A3-C2DD-F9AAA5235D41}"/>
+              </a:ext>
+            </a:extLst>
+          </p:cNvPr>
+          <p:cNvSpPr txBox="1"/>
+          <p:nvPr/>
+        </p:nvSpPr>
+        <p:spPr>
+          <a:xfrm>
+            <a:off x="9847497" y="6338818"/>
+            <a:ext cx="4807525" cy="461665"/>
+          </a:xfrm>
+          <a:prstGeom prst="rect">
+            <a:avLst/>
+          </a:prstGeom>
+          <a:noFill/>
+        </p:spPr>
+        <p:txBody>
+          <a:bodyPr wrap="square">
+            <a:spAutoFit/>
+          </a:bodyPr>
+          <a:lstStyle/>
+          <a:p>
+            <a:r>
+              <a:rPr lang="pt-BR" altLang="ja-JP" sz="2400" dirty="0"/>
+              <a:t>D3D12_INPUT_ELEMENT_DESC</a:t>
+            </a:r>
+            <a:endParaRPr lang="ja-JP" altLang="en-US" sz="2400" dirty="0"/>
+          </a:p>
+        </p:txBody>
+      </p:sp>
+      <p:sp>
+        <p:nvSpPr>
+          <p:cNvPr id="19" name="テキスト ボックス 18">
+            <a:extLst>
+              <a:ext uri="{FF2B5EF4-FFF2-40B4-BE49-F238E27FC236}">
+                <a16:creationId xmlns:a16="http://schemas.microsoft.com/office/drawing/2014/main" id="{6EEFCBA6-4B62-FA8D-A1F8-A7B4D7E89DBE}"/>
+              </a:ext>
+            </a:extLst>
+          </p:cNvPr>
+          <p:cNvSpPr txBox="1"/>
+          <p:nvPr/>
+        </p:nvSpPr>
+        <p:spPr>
+          <a:xfrm>
+            <a:off x="2867892" y="3929569"/>
+            <a:ext cx="5943598" cy="461665"/>
+          </a:xfrm>
+          <a:prstGeom prst="rect">
+            <a:avLst/>
+          </a:prstGeom>
+          <a:noFill/>
+        </p:spPr>
+        <p:txBody>
+          <a:bodyPr wrap="square">
+            <a:spAutoFit/>
+          </a:bodyPr>
+          <a:lstStyle/>
+          <a:p>
+            <a:r>
+              <a:rPr lang="pt-BR" altLang="ja-JP" sz="2400" dirty="0"/>
+              <a:t>D3D12_GRAPHICS_PIPELINE_STATE_DESC</a:t>
+            </a:r>
+            <a:endParaRPr lang="ja-JP" altLang="en-US" sz="2400" dirty="0"/>
+          </a:p>
+        </p:txBody>
+      </p:sp>
+      <p:sp>
+        <p:nvSpPr>
+          <p:cNvPr id="24" name="正方形/長方形 23">
+            <a:extLst>
+              <a:ext uri="{FF2B5EF4-FFF2-40B4-BE49-F238E27FC236}">
+                <a16:creationId xmlns:a16="http://schemas.microsoft.com/office/drawing/2014/main" id="{2A9EE2CE-4B6F-0CF5-379B-4860766CC5CB}"/>
+              </a:ext>
+            </a:extLst>
+          </p:cNvPr>
+          <p:cNvSpPr/>
+          <p:nvPr/>
+        </p:nvSpPr>
+        <p:spPr>
+          <a:xfrm>
+            <a:off x="2997454" y="4502707"/>
+            <a:ext cx="1979143" cy="611709"/>
+          </a:xfrm>
+          <a:prstGeom prst="rect">
+            <a:avLst/>
+          </a:prstGeom>
+          <a:solidFill>
+            <a:schemeClr val="tx2">
+              <a:lumMod val="10000"/>
+              <a:lumOff val="90000"/>
+            </a:schemeClr>
+          </a:solidFill>
+          <a:ln>
+            <a:solidFill>
+              <a:srgbClr val="0070C0"/>
+            </a:solidFill>
+          </a:ln>
+        </p:spPr>
+        <p:style>
+          <a:lnRef idx="2">
+            <a:schemeClr val="accent1">
+              <a:shade val="15000"/>
+            </a:schemeClr>
+          </a:lnRef>
+          <a:fillRef idx="1">
+            <a:schemeClr val="accent1"/>
+          </a:fillRef>
+          <a:effectRef idx="0">
+            <a:schemeClr val="accent1"/>
+          </a:effectRef>
+          <a:fontRef idx="minor">
+            <a:schemeClr val="lt1"/>
+          </a:fontRef>
+        </p:style>
+        <p:txBody>
+          <a:bodyPr rtlCol="0" anchor="ctr"/>
+          <a:lstStyle/>
+          <a:p>
+            <a:pPr algn="ctr"/>
+            <a:endParaRPr kumimoji="1" lang="ja-JP" altLang="en-US"/>
+          </a:p>
+        </p:txBody>
+      </p:sp>
+      <p:sp>
+        <p:nvSpPr>
+          <p:cNvPr id="21" name="テキスト ボックス 20">
+            <a:extLst>
+              <a:ext uri="{FF2B5EF4-FFF2-40B4-BE49-F238E27FC236}">
+                <a16:creationId xmlns:a16="http://schemas.microsoft.com/office/drawing/2014/main" id="{45913C20-735E-70DD-62F1-B9169B614E1D}"/>
+              </a:ext>
+            </a:extLst>
+          </p:cNvPr>
+          <p:cNvSpPr txBox="1"/>
+          <p:nvPr/>
+        </p:nvSpPr>
+        <p:spPr>
+          <a:xfrm>
+            <a:off x="2997454" y="4577728"/>
+            <a:ext cx="1828800" cy="461665"/>
+          </a:xfrm>
+          <a:prstGeom prst="rect">
+            <a:avLst/>
+          </a:prstGeom>
+          <a:noFill/>
+        </p:spPr>
+        <p:txBody>
+          <a:bodyPr wrap="square">
+            <a:spAutoFit/>
+          </a:bodyPr>
+          <a:lstStyle/>
+          <a:p>
+            <a:r>
+              <a:rPr lang="pt-BR" altLang="ja-JP" sz="2400" dirty="0"/>
+              <a:t>InputLayout</a:t>
+            </a:r>
+            <a:endParaRPr lang="ja-JP" altLang="en-US" sz="2400" dirty="0"/>
+          </a:p>
+        </p:txBody>
+      </p:sp>
+      <p:cxnSp>
+        <p:nvCxnSpPr>
+          <p:cNvPr id="27" name="直線矢印コネクタ 26">
+            <a:extLst>
+              <a:ext uri="{FF2B5EF4-FFF2-40B4-BE49-F238E27FC236}">
+                <a16:creationId xmlns:a16="http://schemas.microsoft.com/office/drawing/2014/main" id="{9C88D629-BF15-87DC-7105-719A009D7372}"/>
+              </a:ext>
+            </a:extLst>
+          </p:cNvPr>
+          <p:cNvCxnSpPr>
+            <a:cxnSpLocks/>
+            <a:stCxn id="24" idx="3"/>
+            <a:endCxn id="2" idx="1"/>
+          </p:cNvCxnSpPr>
+          <p:nvPr/>
+        </p:nvCxnSpPr>
+        <p:spPr>
+          <a:xfrm>
+            <a:off x="4976597" y="4808562"/>
+            <a:ext cx="5040241" cy="2362793"/>
+          </a:xfrm>
+          <a:prstGeom prst="straightConnector1">
+            <a:avLst/>
+          </a:prstGeom>
+          <a:ln>
+            <a:solidFill>
+              <a:srgbClr val="0070C0"/>
+            </a:solidFill>
+            <a:tailEnd type="triangle"/>
+          </a:ln>
+        </p:spPr>
+        <p:style>
+          <a:lnRef idx="2">
+            <a:schemeClr val="accent1"/>
+          </a:lnRef>
+          <a:fillRef idx="0">
+            <a:schemeClr val="accent1"/>
+          </a:fillRef>
+          <a:effectRef idx="1">
+            <a:schemeClr val="accent1"/>
+          </a:effectRef>
+          <a:fontRef idx="minor">
+            <a:schemeClr val="tx1"/>
+          </a:fontRef>
+        </p:style>
+      </p:cxnSp>
+      <p:cxnSp>
+        <p:nvCxnSpPr>
+          <p:cNvPr id="29" name="直線矢印コネクタ 28">
+            <a:extLst>
+              <a:ext uri="{FF2B5EF4-FFF2-40B4-BE49-F238E27FC236}">
+                <a16:creationId xmlns:a16="http://schemas.microsoft.com/office/drawing/2014/main" id="{25A29172-F97B-0384-C788-270AE4CE1E0E}"/>
+              </a:ext>
+            </a:extLst>
+          </p:cNvPr>
+          <p:cNvCxnSpPr>
+            <a:cxnSpLocks/>
+            <a:stCxn id="25" idx="3"/>
+            <a:endCxn id="3" idx="1"/>
+          </p:cNvCxnSpPr>
+          <p:nvPr/>
+        </p:nvCxnSpPr>
+        <p:spPr>
+          <a:xfrm>
+            <a:off x="7924801" y="8953062"/>
+            <a:ext cx="2092037" cy="0"/>
+          </a:xfrm>
+          <a:prstGeom prst="straightConnector1">
+            <a:avLst/>
+          </a:prstGeom>
+          <a:ln>
+            <a:solidFill>
+              <a:srgbClr val="FFC000"/>
+            </a:solidFill>
+            <a:tailEnd type="triangle"/>
+          </a:ln>
+        </p:spPr>
+        <p:style>
+          <a:lnRef idx="2">
+            <a:schemeClr val="accent1"/>
+          </a:lnRef>
+          <a:fillRef idx="0">
+            <a:schemeClr val="accent1"/>
+          </a:fillRef>
+          <a:effectRef idx="1">
+            <a:schemeClr val="accent1"/>
+          </a:effectRef>
+          <a:fontRef idx="minor">
+            <a:schemeClr val="tx1"/>
+          </a:fontRef>
+        </p:style>
+      </p:cxnSp>
+      <p:sp>
+        <p:nvSpPr>
+          <p:cNvPr id="34" name="テキスト ボックス 33">
+            <a:extLst>
+              <a:ext uri="{FF2B5EF4-FFF2-40B4-BE49-F238E27FC236}">
+                <a16:creationId xmlns:a16="http://schemas.microsoft.com/office/drawing/2014/main" id="{62AD754F-ECF6-D660-1204-79E5102E4659}"/>
+              </a:ext>
+            </a:extLst>
+          </p:cNvPr>
+          <p:cNvSpPr txBox="1"/>
+          <p:nvPr/>
+        </p:nvSpPr>
+        <p:spPr>
+          <a:xfrm>
+            <a:off x="2855946" y="8537562"/>
+            <a:ext cx="2262158" cy="369332"/>
+          </a:xfrm>
+          <a:prstGeom prst="rect">
+            <a:avLst/>
+          </a:prstGeom>
+          <a:noFill/>
+        </p:spPr>
+        <p:txBody>
+          <a:bodyPr wrap="none" rtlCol="0">
+            <a:spAutoFit/>
+          </a:bodyPr>
+          <a:lstStyle/>
+          <a:p>
+            <a:r>
+              <a:rPr kumimoji="1" lang="ja-JP" altLang="en-US" dirty="0"/>
+              <a:t>頂点バッファビュー</a:t>
+            </a:r>
+          </a:p>
+        </p:txBody>
+      </p:sp>
+      <p:sp>
+        <p:nvSpPr>
+          <p:cNvPr id="35" name="四角形: 角を丸くする 34">
+            <a:extLst>
+              <a:ext uri="{FF2B5EF4-FFF2-40B4-BE49-F238E27FC236}">
+                <a16:creationId xmlns:a16="http://schemas.microsoft.com/office/drawing/2014/main" id="{72F00727-E27A-2455-FD05-828C675AD2A8}"/>
+              </a:ext>
+            </a:extLst>
+          </p:cNvPr>
+          <p:cNvSpPr/>
+          <p:nvPr/>
+        </p:nvSpPr>
+        <p:spPr>
+          <a:xfrm>
+            <a:off x="14145492" y="3644100"/>
+            <a:ext cx="4366745" cy="699078"/>
+          </a:xfrm>
+          <a:prstGeom prst="roundRect">
+            <a:avLst/>
+          </a:prstGeom>
+          <a:solidFill>
+            <a:srgbClr val="FFCC99"/>
+          </a:solidFill>
+          <a:ln w="38100">
+            <a:solidFill>
+              <a:srgbClr val="FFC000"/>
+            </a:solidFill>
+          </a:ln>
+        </p:spPr>
+        <p:style>
+          <a:lnRef idx="2">
+            <a:schemeClr val="accent1">
+              <a:shade val="50000"/>
+            </a:schemeClr>
+          </a:lnRef>
+          <a:fillRef idx="1">
+            <a:schemeClr val="accent1"/>
+          </a:fillRef>
+          <a:effectRef idx="0">
+            <a:schemeClr val="accent1"/>
+          </a:effectRef>
+          <a:fontRef idx="minor">
+            <a:schemeClr val="lt1"/>
+          </a:fontRef>
+        </p:style>
+        <p:txBody>
+          <a:bodyPr rtlCol="0" anchor="ctr"/>
+          <a:lstStyle/>
+          <a:p>
+            <a:pPr algn="ctr"/>
+            <a:endParaRPr kumimoji="1" lang="ja-JP" altLang="en-US"/>
+          </a:p>
+        </p:txBody>
+      </p:sp>
+      <p:sp>
+        <p:nvSpPr>
+          <p:cNvPr id="36" name="正方形/長方形 35">
+            <a:extLst>
+              <a:ext uri="{FF2B5EF4-FFF2-40B4-BE49-F238E27FC236}">
+                <a16:creationId xmlns:a16="http://schemas.microsoft.com/office/drawing/2014/main" id="{505B74EE-3F0A-2523-E1CD-8B4511C8BC35}"/>
+              </a:ext>
+            </a:extLst>
+          </p:cNvPr>
+          <p:cNvSpPr/>
+          <p:nvPr/>
+        </p:nvSpPr>
+        <p:spPr>
+          <a:xfrm>
+            <a:off x="14302228" y="3737836"/>
+            <a:ext cx="3775393" cy="523220"/>
+          </a:xfrm>
+          <a:prstGeom prst="rect">
+            <a:avLst/>
+          </a:prstGeom>
+        </p:spPr>
+        <p:txBody>
+          <a:bodyPr wrap="none">
+            <a:spAutoFit/>
+          </a:bodyPr>
+          <a:lstStyle/>
+          <a:p>
+            <a:r>
+              <a:rPr lang="ja-JP" altLang="en-US" sz="2800" dirty="0">
+                <a:solidFill>
+                  <a:srgbClr val="161616"/>
+                </a:solidFill>
+                <a:latin typeface="SFMono-Regular"/>
+              </a:rPr>
+              <a:t>パイプラインステート</a:t>
+            </a:r>
+            <a:endParaRPr lang="ja-JP" altLang="en-US" sz="2800" dirty="0"/>
+          </a:p>
+        </p:txBody>
+      </p:sp>
+      <p:sp>
+        <p:nvSpPr>
+          <p:cNvPr id="37" name="矢印: 右 36">
+            <a:extLst>
+              <a:ext uri="{FF2B5EF4-FFF2-40B4-BE49-F238E27FC236}">
+                <a16:creationId xmlns:a16="http://schemas.microsoft.com/office/drawing/2014/main" id="{3BA4556E-64C4-F090-B118-8E6F80935976}"/>
+              </a:ext>
+            </a:extLst>
+          </p:cNvPr>
+          <p:cNvSpPr/>
+          <p:nvPr/>
+        </p:nvSpPr>
+        <p:spPr>
+          <a:xfrm>
+            <a:off x="8811490" y="3722828"/>
+            <a:ext cx="5436106" cy="696632"/>
+          </a:xfrm>
+          <a:prstGeom prst="rightArrow">
+            <a:avLst/>
+          </a:prstGeom>
+        </p:spPr>
+        <p:style>
+          <a:lnRef idx="2">
+            <a:schemeClr val="accent2">
+              <a:shade val="50000"/>
+            </a:schemeClr>
+          </a:lnRef>
+          <a:fillRef idx="1">
+            <a:schemeClr val="accent2"/>
+          </a:fillRef>
+          <a:effectRef idx="0">
+            <a:schemeClr val="accent2"/>
+          </a:effectRef>
+          <a:fontRef idx="minor">
+            <a:schemeClr val="lt1"/>
+          </a:fontRef>
+        </p:style>
+        <p:txBody>
+          <a:bodyPr rtlCol="0" anchor="ctr"/>
+          <a:lstStyle/>
+          <a:p>
+            <a:pPr algn="ctr"/>
+            <a:endParaRPr kumimoji="1" lang="ja-JP" altLang="en-US"/>
+          </a:p>
+        </p:txBody>
+      </p:sp>
+      <p:sp>
+        <p:nvSpPr>
+          <p:cNvPr id="39" name="テキスト ボックス 38">
+            <a:extLst>
+              <a:ext uri="{FF2B5EF4-FFF2-40B4-BE49-F238E27FC236}">
+                <a16:creationId xmlns:a16="http://schemas.microsoft.com/office/drawing/2014/main" id="{69BFD6EE-5E63-56F6-3B2F-2EC9B7F5B26B}"/>
+              </a:ext>
+            </a:extLst>
+          </p:cNvPr>
+          <p:cNvSpPr txBox="1"/>
+          <p:nvPr/>
+        </p:nvSpPr>
+        <p:spPr>
+          <a:xfrm>
+            <a:off x="8958371" y="3905266"/>
+            <a:ext cx="5040241" cy="369332"/>
+          </a:xfrm>
+          <a:prstGeom prst="rect">
+            <a:avLst/>
+          </a:prstGeom>
+          <a:noFill/>
+        </p:spPr>
+        <p:txBody>
+          <a:bodyPr wrap="square">
+            <a:spAutoFit/>
+          </a:bodyPr>
+          <a:lstStyle/>
+          <a:p>
+            <a:r>
+              <a:rPr lang="pt-BR" altLang="ja-JP" sz="1800" b="1" dirty="0">
+                <a:latin typeface="ＭＳ ゴシック" panose="020B0609070205080204" pitchFamily="49" charset="-128"/>
+                <a:ea typeface="ＭＳ ゴシック" panose="020B0609070205080204" pitchFamily="49" charset="-128"/>
+              </a:rPr>
+              <a:t>ID3D12Device::CreateGraphicsPipelineState</a:t>
+            </a:r>
+            <a:endParaRPr lang="ja-JP" altLang="en-US" b="1" dirty="0"/>
+          </a:p>
+        </p:txBody>
+      </p:sp>
+    </p:spTree>
+    <p:extLst>
+      <p:ext uri="{BB962C8B-B14F-4D97-AF65-F5344CB8AC3E}">
+        <p14:creationId xmlns:p14="http://schemas.microsoft.com/office/powerpoint/2010/main" val="3464474417"/>
       </p:ext>
     </p:extLst>
   </p:cSld>
